--- a/HTML-CSS-JS/slides/4-JavaScript.pptx
+++ b/HTML-CSS-JS/slides/4-JavaScript.pptx
@@ -2946,7 +2946,7 @@
               </a:lnSpc>
             </a:pPr>
             <a:r>
-              <a:rPr lang="en-US" sz="3600" b="0" strike="noStrike" spc="-1">
+              <a:rPr lang="en-US" sz="3600" b="0" strike="noStrike" spc="-1" dirty="0">
                 <a:solidFill>
                   <a:srgbClr val="FFFFFF"/>
                 </a:solidFill>
@@ -2958,9 +2958,39 @@
                 <a:latin typeface="Lato"/>
                 <a:ea typeface="DejaVu Sans"/>
               </a:rPr>
-              <a:t>WHAT IS CSS ?</a:t>
-            </a:r>
-            <a:endParaRPr lang="en-US" sz="1800" b="0" strike="noStrike" spc="-1">
+              <a:t>WHAT IS </a:t>
+            </a:r>
+            <a:r>
+              <a:rPr lang="vi-VN" sz="3600" b="0" strike="noStrike" spc="-1" dirty="0">
+                <a:solidFill>
+                  <a:srgbClr val="FFFFFF"/>
+                </a:solidFill>
+                <a:uFill>
+                  <a:solidFill>
+                    <a:srgbClr val="FFFFFF"/>
+                  </a:solidFill>
+                </a:uFill>
+                <a:latin typeface="Lato"/>
+                <a:ea typeface="DejaVu Sans"/>
+              </a:rPr>
+              <a:t>JAVASCRIPT</a:t>
+            </a:r>
+            <a:r>
+              <a:rPr lang="en-US" sz="3600" b="0" strike="noStrike" spc="-1" dirty="0">
+                <a:solidFill>
+                  <a:srgbClr val="FFFFFF"/>
+                </a:solidFill>
+                <a:uFill>
+                  <a:solidFill>
+                    <a:srgbClr val="FFFFFF"/>
+                  </a:solidFill>
+                </a:uFill>
+                <a:latin typeface="Lato"/>
+                <a:ea typeface="DejaVu Sans"/>
+              </a:rPr>
+              <a:t> ?</a:t>
+            </a:r>
+            <a:endParaRPr lang="en-US" sz="1800" b="0" strike="noStrike" spc="-1" dirty="0">
               <a:solidFill>
                 <a:srgbClr val="000000"/>
               </a:solidFill>
@@ -3020,9 +3050,9 @@
               <a:buChar char=""/>
             </a:pPr>
             <a:r>
-              <a:rPr lang="en-US" sz="2400" b="0" strike="noStrike" spc="-1">
-                <a:solidFill>
-                  <a:srgbClr val="FFFFFF"/>
+              <a:rPr lang="vi-VN" sz="2400" b="1" strike="noStrike" spc="-1" dirty="0">
+                <a:solidFill>
+                  <a:srgbClr val="FFFF00"/>
                 </a:solidFill>
                 <a:uFill>
                   <a:solidFill>
@@ -3032,10 +3062,25 @@
                 <a:latin typeface="Lato"/>
                 <a:ea typeface="DejaVu Sans"/>
               </a:rPr>
-              <a:t>CSS stands for </a:t>
-            </a:r>
-            <a:r>
-              <a:rPr lang="en-US" sz="2400" b="1" strike="noStrike" spc="-1">
+              <a:t>JavaScript</a:t>
+            </a:r>
+            <a:r>
+              <a:rPr lang="vi-VN" sz="2400" b="0" strike="noStrike" spc="-1" dirty="0">
+                <a:solidFill>
+                  <a:srgbClr val="FFFFFF"/>
+                </a:solidFill>
+                <a:uFill>
+                  <a:solidFill>
+                    <a:srgbClr val="FFFFFF"/>
+                  </a:solidFill>
+                </a:uFill>
+                <a:latin typeface="Lato"/>
+                <a:ea typeface="DejaVu Sans"/>
+              </a:rPr>
+              <a:t> is a </a:t>
+            </a:r>
+            <a:r>
+              <a:rPr lang="vi-VN" sz="2400" b="1" strike="noStrike" spc="-1" dirty="0">
                 <a:solidFill>
                   <a:srgbClr val="FFFF00"/>
                 </a:solidFill>
@@ -3047,10 +3092,10 @@
                 <a:latin typeface="Lato"/>
                 <a:ea typeface="DejaVu Sans"/>
               </a:rPr>
-              <a:t>C</a:t>
-            </a:r>
-            <a:r>
-              <a:rPr lang="en-US" sz="2400" b="0" strike="noStrike" spc="-1">
+              <a:t>scripting language</a:t>
+            </a:r>
+            <a:r>
+              <a:rPr lang="vi-VN" sz="2400" b="0" strike="noStrike" spc="-1" dirty="0">
                 <a:solidFill>
                   <a:srgbClr val="FFFFFF"/>
                 </a:solidFill>
@@ -3062,10 +3107,10 @@
                 <a:latin typeface="Lato"/>
                 <a:ea typeface="DejaVu Sans"/>
               </a:rPr>
-              <a:t>ascading </a:t>
-            </a:r>
-            <a:r>
-              <a:rPr lang="en-US" sz="2400" b="1" strike="noStrike" spc="-1">
+              <a:t> that enables you to </a:t>
+            </a:r>
+            <a:r>
+              <a:rPr lang="vi-VN" sz="2400" b="1" strike="noStrike" spc="-1" dirty="0">
                 <a:solidFill>
                   <a:srgbClr val="FFFF00"/>
                 </a:solidFill>
@@ -3077,12 +3122,12 @@
                 <a:latin typeface="Lato"/>
                 <a:ea typeface="DejaVu Sans"/>
               </a:rPr>
-              <a:t>S</a:t>
-            </a:r>
-            <a:r>
-              <a:rPr lang="en-US" sz="2400" b="0" strike="noStrike" spc="-1">
-                <a:solidFill>
-                  <a:srgbClr val="FFFFFF"/>
+              <a:t>create dynamically</a:t>
+            </a:r>
+            <a:r>
+              <a:rPr lang="en-US" sz="2400" b="1" strike="noStrike" spc="-1" dirty="0">
+                <a:solidFill>
+                  <a:srgbClr val="FFFF00"/>
                 </a:solidFill>
                 <a:uFill>
                   <a:solidFill>
@@ -3092,10 +3137,10 @@
                 <a:latin typeface="Lato"/>
                 <a:ea typeface="DejaVu Sans"/>
               </a:rPr>
-              <a:t>tyle </a:t>
-            </a:r>
-            <a:r>
-              <a:rPr lang="en-US" sz="2400" b="1" strike="noStrike" spc="-1">
+              <a:t> to</a:t>
+            </a:r>
+            <a:r>
+              <a:rPr lang="vi-VN" sz="2400" b="1" strike="noStrike" spc="-1" dirty="0">
                 <a:solidFill>
                   <a:srgbClr val="FFFF00"/>
                 </a:solidFill>
@@ -3107,10 +3152,10 @@
                 <a:latin typeface="Lato"/>
                 <a:ea typeface="DejaVu Sans"/>
               </a:rPr>
-              <a:t>S</a:t>
-            </a:r>
-            <a:r>
-              <a:rPr lang="en-US" sz="2400" b="0" strike="noStrike" spc="-1">
+              <a:t> updating</a:t>
+            </a:r>
+            <a:r>
+              <a:rPr lang="vi-VN" sz="2400" b="0" strike="noStrike" spc="-1" dirty="0">
                 <a:solidFill>
                   <a:srgbClr val="FFFFFF"/>
                 </a:solidFill>
@@ -3122,18 +3167,117 @@
                 <a:latin typeface="Lato"/>
                 <a:ea typeface="DejaVu Sans"/>
               </a:rPr>
-              <a:t>heets.</a:t>
-            </a:r>
-            <a:endParaRPr lang="en-US" sz="1800" b="0" strike="noStrike" spc="-1">
+              <a:t> content, control multimedia, animate images, ... i</a:t>
+            </a:r>
+            <a:r>
+              <a:rPr lang="vi-VN" sz="2400" spc="-1" dirty="0">
+                <a:solidFill>
+                  <a:srgbClr val="FFFFFF"/>
+                </a:solidFill>
+                <a:uFill>
+                  <a:solidFill>
+                    <a:srgbClr val="FFFFFF"/>
+                  </a:solidFill>
+                </a:uFill>
+                <a:latin typeface="Lato"/>
+                <a:ea typeface="DejaVu Sans"/>
+              </a:rPr>
+              <a:t>n</a:t>
+            </a:r>
+            <a:r>
+              <a:rPr lang="vi-VN" spc="-1" dirty="0">
+                <a:solidFill>
+                  <a:srgbClr val="000000"/>
+                </a:solidFill>
+                <a:uFill>
+                  <a:solidFill>
+                    <a:srgbClr val="FFFFFF"/>
+                  </a:solidFill>
+                </a:uFill>
+                <a:latin typeface="Arial"/>
+              </a:rPr>
+              <a:t> </a:t>
+            </a:r>
+            <a:r>
+              <a:rPr lang="vi-VN" sz="2400" spc="-1" dirty="0">
+                <a:solidFill>
+                  <a:srgbClr val="FFFFFF"/>
+                </a:solidFill>
+                <a:uFill>
+                  <a:solidFill>
+                    <a:srgbClr val="FFFFFF"/>
+                  </a:solidFill>
+                </a:uFill>
+                <a:latin typeface="Lato"/>
+              </a:rPr>
+              <a:t>Web pages. </a:t>
+            </a:r>
+            <a:r>
+              <a:rPr lang="vi-VN" sz="2400" b="1" spc="-1" dirty="0">
+                <a:solidFill>
+                  <a:srgbClr val="FFFF00"/>
+                </a:solidFill>
+                <a:uFill>
+                  <a:solidFill>
+                    <a:srgbClr val="FFFFFF"/>
+                  </a:solidFill>
+                </a:uFill>
+                <a:latin typeface="Lato"/>
+              </a:rPr>
+              <a:t>JavaScript</a:t>
+            </a:r>
+            <a:r>
+              <a:rPr lang="vi-VN" sz="2400" spc="-1" dirty="0">
+                <a:solidFill>
+                  <a:srgbClr val="FFFFFF"/>
+                </a:solidFill>
+                <a:uFill>
+                  <a:solidFill>
+                    <a:srgbClr val="FFFFFF"/>
+                  </a:solidFill>
+                </a:uFill>
+                <a:latin typeface="Lato"/>
+              </a:rPr>
+              <a:t> is the </a:t>
+            </a:r>
+            <a:r>
+              <a:rPr lang="vi-VN" sz="2400" b="1" spc="-1" dirty="0">
+                <a:solidFill>
+                  <a:srgbClr val="FFFF00"/>
+                </a:solidFill>
+                <a:uFill>
+                  <a:solidFill>
+                    <a:srgbClr val="FFFFFF"/>
+                  </a:solidFill>
+                </a:uFill>
+                <a:latin typeface="Lato"/>
+              </a:rPr>
+              <a:t>programming language</a:t>
+            </a:r>
+            <a:r>
+              <a:rPr lang="en-US" sz="2400" spc="-1" dirty="0">
+                <a:solidFill>
+                  <a:srgbClr val="FFFFFF"/>
+                </a:solidFill>
+                <a:uFill>
+                  <a:solidFill>
+                    <a:srgbClr val="FFFFFF"/>
+                  </a:solidFill>
+                </a:uFill>
+                <a:latin typeface="Lato"/>
+              </a:rPr>
+              <a:t>, interpreted by the browser.</a:t>
+            </a:r>
+            <a:endParaRPr lang="vi-VN" sz="2400" spc="-1" dirty="0">
               <a:solidFill>
-                <a:srgbClr val="000000"/>
+                <a:srgbClr val="FFFFFF"/>
               </a:solidFill>
               <a:uFill>
                 <a:solidFill>
                   <a:srgbClr val="FFFFFF"/>
                 </a:solidFill>
               </a:uFill>
-              <a:latin typeface="Arial"/>
+              <a:latin typeface="Lato"/>
             </a:endParaRPr>
           </a:p>
           <a:p>
@@ -3148,9 +3292,9 @@
               <a:buChar char=""/>
             </a:pPr>
             <a:r>
-              <a:rPr lang="en-US" sz="2400" b="0" strike="noStrike" spc="-1">
-                <a:solidFill>
-                  <a:srgbClr val="FFFFFF"/>
+              <a:rPr lang="vi-VN" sz="2400" b="1" strike="noStrike" spc="-1" dirty="0">
+                <a:solidFill>
+                  <a:srgbClr val="FFFF00"/>
                 </a:solidFill>
                 <a:uFill>
                   <a:solidFill>
@@ -3160,9 +3304,54 @@
                 <a:latin typeface="Lato"/>
                 <a:ea typeface="DejaVu Sans"/>
               </a:rPr>
-              <a:t>CSS is a language that describes the style of an HTML document.</a:t>
-            </a:r>
-            <a:endParaRPr lang="en-US" sz="1800" b="0" strike="noStrike" spc="-1">
+              <a:t>JavaScript</a:t>
+            </a:r>
+            <a:r>
+              <a:rPr lang="vi-VN" sz="2400" b="0" strike="noStrike" spc="-1" dirty="0">
+                <a:solidFill>
+                  <a:srgbClr val="FFFFFF"/>
+                </a:solidFill>
+                <a:uFill>
+                  <a:solidFill>
+                    <a:srgbClr val="FFFFFF"/>
+                  </a:solidFill>
+                </a:uFill>
+                <a:latin typeface="Lato"/>
+                <a:ea typeface="DejaVu Sans"/>
+              </a:rPr>
+              <a:t> is used in </a:t>
+            </a:r>
+            <a:r>
+              <a:rPr lang="vi-VN" sz="2400" b="1" strike="noStrike" spc="-1" dirty="0">
+                <a:solidFill>
+                  <a:srgbClr val="FFFF00"/>
+                </a:solidFill>
+                <a:uFill>
+                  <a:solidFill>
+                    <a:srgbClr val="FFFFFF"/>
+                  </a:solidFill>
+                </a:uFill>
+                <a:latin typeface="Lato"/>
+                <a:ea typeface="DejaVu Sans"/>
+              </a:rPr>
+              <a:t>desktop, server and database either</a:t>
+            </a:r>
+            <a:r>
+              <a:rPr lang="vi-VN" sz="2400" b="0" strike="noStrike" spc="-1" dirty="0">
+                <a:solidFill>
+                  <a:srgbClr val="FFFFFF"/>
+                </a:solidFill>
+                <a:uFill>
+                  <a:solidFill>
+                    <a:srgbClr val="FFFFFF"/>
+                  </a:solidFill>
+                </a:uFill>
+                <a:latin typeface="Lato"/>
+                <a:ea typeface="DejaVu Sans"/>
+              </a:rPr>
+              <a:t>.</a:t>
+            </a:r>
+            <a:endParaRPr lang="en-US" sz="1800" b="0" strike="noStrike" spc="-1" dirty="0">
               <a:solidFill>
                 <a:srgbClr val="000000"/>
               </a:solidFill>
@@ -3186,9 +3375,9 @@
               <a:buChar char=""/>
             </a:pPr>
             <a:r>
-              <a:rPr lang="en-US" sz="2400" b="0" strike="noStrike" spc="-1">
-                <a:solidFill>
-                  <a:srgbClr val="FFFFFF"/>
+              <a:rPr lang="vi-VN" sz="2400" b="1" strike="noStrike" spc="-1" dirty="0">
+                <a:solidFill>
+                  <a:srgbClr val="FFFF00"/>
                 </a:solidFill>
                 <a:uFill>
                   <a:solidFill>
@@ -3198,9 +3387,54 @@
                 <a:latin typeface="Lato"/>
                 <a:ea typeface="DejaVu Sans"/>
               </a:rPr>
-              <a:t>CSS describes how HTML element are to be displayed on screen, paper, or in other media.</a:t>
-            </a:r>
-            <a:endParaRPr lang="en-US" sz="1800" b="0" strike="noStrike" spc="-1">
+              <a:t>JavaScript</a:t>
+            </a:r>
+            <a:r>
+              <a:rPr lang="vi-VN" sz="2400" b="0" strike="noStrike" spc="-1" dirty="0">
+                <a:solidFill>
+                  <a:srgbClr val="FFFFFF"/>
+                </a:solidFill>
+                <a:uFill>
+                  <a:solidFill>
+                    <a:srgbClr val="FFFFFF"/>
+                  </a:solidFill>
+                </a:uFill>
+                <a:latin typeface="Lato"/>
+                <a:ea typeface="DejaVu Sans"/>
+              </a:rPr>
+              <a:t> is </a:t>
+            </a:r>
+            <a:r>
+              <a:rPr lang="vi-VN" sz="2400" b="1" strike="noStrike" spc="-1" dirty="0">
+                <a:solidFill>
+                  <a:srgbClr val="FFFF00"/>
+                </a:solidFill>
+                <a:uFill>
+                  <a:solidFill>
+                    <a:srgbClr val="FFFFFF"/>
+                  </a:solidFill>
+                </a:uFill>
+                <a:latin typeface="Lato"/>
+                <a:ea typeface="DejaVu Sans"/>
+              </a:rPr>
+              <a:t>not Java</a:t>
+            </a:r>
+            <a:r>
+              <a:rPr lang="vi-VN" sz="2400" b="0" strike="noStrike" spc="-1" dirty="0">
+                <a:solidFill>
+                  <a:srgbClr val="FFFFFF"/>
+                </a:solidFill>
+                <a:uFill>
+                  <a:solidFill>
+                    <a:srgbClr val="FFFFFF"/>
+                  </a:solidFill>
+                </a:uFill>
+                <a:latin typeface="Lato"/>
+                <a:ea typeface="DejaVu Sans"/>
+              </a:rPr>
+              <a:t>.</a:t>
+            </a:r>
+            <a:endParaRPr lang="vi-VN" spc="-1" dirty="0">
               <a:solidFill>
                 <a:srgbClr val="000000"/>
               </a:solidFill>
@@ -3210,6 +3444,7 @@
                 </a:solidFill>
               </a:uFill>
               <a:latin typeface="Arial"/>
+              <a:ea typeface="DejaVu Sans"/>
             </a:endParaRPr>
           </a:p>
           <a:p>
@@ -3224,68 +3459,58 @@
               <a:buChar char=""/>
             </a:pPr>
             <a:r>
-              <a:rPr lang="en-US" sz="2400" b="0" strike="noStrike" spc="-1">
-                <a:solidFill>
-                  <a:srgbClr val="FFFFFF"/>
-                </a:solidFill>
-                <a:uFill>
-                  <a:solidFill>
-                    <a:srgbClr val="FFFFFF"/>
-                  </a:solidFill>
-                </a:uFill>
-                <a:latin typeface="Lato"/>
-                <a:ea typeface="DejaVu Sans"/>
-              </a:rPr>
-              <a:t>CSS is used to define styles for your web pages, including the design, layout and variations in display for different devices and screen sizes.</a:t>
-            </a:r>
-            <a:endParaRPr lang="en-US" sz="1800" b="0" strike="noStrike" spc="-1">
+              <a:rPr lang="en-US" sz="2400" spc="-1" dirty="0">
+                <a:solidFill>
+                  <a:srgbClr val="FFFFFF"/>
+                </a:solidFill>
+                <a:uFill>
+                  <a:solidFill>
+                    <a:srgbClr val="FFFFFF"/>
+                  </a:solidFill>
+                </a:uFill>
+                <a:latin typeface="Lato"/>
+              </a:rPr>
+              <a:t>JavaScript was invented by Brendan </a:t>
+            </a:r>
+            <a:r>
+              <a:rPr lang="en-US" sz="2400" spc="-1" dirty="0" err="1">
+                <a:solidFill>
+                  <a:srgbClr val="FFFFFF"/>
+                </a:solidFill>
+                <a:uFill>
+                  <a:solidFill>
+                    <a:srgbClr val="FFFFFF"/>
+                  </a:solidFill>
+                </a:uFill>
+                <a:latin typeface="Lato"/>
+              </a:rPr>
+              <a:t>Eich</a:t>
+            </a:r>
+            <a:r>
+              <a:rPr lang="en-US" sz="2400" spc="-1" dirty="0">
+                <a:solidFill>
+                  <a:srgbClr val="FFFFFF"/>
+                </a:solidFill>
+                <a:uFill>
+                  <a:solidFill>
+                    <a:srgbClr val="FFFFFF"/>
+                  </a:solidFill>
+                </a:uFill>
+                <a:latin typeface="Lato"/>
+              </a:rPr>
+              <a:t> in 1995, and became an ECMA standard in 1997.</a:t>
+            </a:r>
+            <a:endParaRPr lang="vi-VN" sz="2400" b="0" strike="noStrike" spc="-1" dirty="0">
               <a:solidFill>
-                <a:srgbClr val="000000"/>
+                <a:srgbClr val="FFFFFF"/>
               </a:solidFill>
               <a:uFill>
                 <a:solidFill>
                   <a:srgbClr val="FFFFFF"/>
                 </a:solidFill>
               </a:uFill>
-              <a:latin typeface="Arial"/>
-            </a:endParaRPr>
-          </a:p>
-          <a:p>
-            <a:pPr marL="457200" indent="-456480">
-              <a:lnSpc>
-                <a:spcPct val="150000"/>
-              </a:lnSpc>
-              <a:buClr>
-                <a:srgbClr val="FFFFFF"/>
-              </a:buClr>
-              <a:buFont typeface="Wingdings" charset="2"/>
-              <a:buChar char=""/>
-            </a:pPr>
-            <a:r>
-              <a:rPr lang="en-US" sz="2400" b="0" strike="noStrike" spc="-1">
-                <a:solidFill>
-                  <a:srgbClr val="FFFFFF"/>
-                </a:solidFill>
-                <a:uFill>
-                  <a:solidFill>
-                    <a:srgbClr val="FFFFFF"/>
-                  </a:solidFill>
-                </a:uFill>
-                <a:latin typeface="Lato"/>
-                <a:ea typeface="DejaVu Sans"/>
-              </a:rPr>
-              <a:t>HTML was created to describe the content of we page, then the World Wide Web Consortium (W3C) created CSS to do the rest (design, layout …).</a:t>
-            </a:r>
-            <a:endParaRPr lang="en-US" sz="1800" b="0" strike="noStrike" spc="-1">
-              <a:solidFill>
-                <a:srgbClr val="000000"/>
-              </a:solidFill>
-              <a:uFill>
-                <a:solidFill>
-                  <a:srgbClr val="FFFFFF"/>
-                </a:solidFill>
-              </a:uFill>
-              <a:latin typeface="Arial"/>
+              <a:latin typeface="Lato"/>
+              <a:ea typeface="DejaVu Sans"/>
             </a:endParaRPr>
           </a:p>
         </p:txBody>
@@ -3453,7 +3678,7 @@
               </a:lnSpc>
             </a:pPr>
             <a:r>
-              <a:rPr lang="en-US" sz="3600" b="0" strike="noStrike" spc="-1">
+              <a:rPr lang="vi-VN" sz="3600" b="0" strike="noStrike" spc="-1" dirty="0">
                 <a:solidFill>
                   <a:srgbClr val="FFFFFF"/>
                 </a:solidFill>
@@ -3465,9 +3690,9 @@
                 <a:latin typeface="Lato"/>
                 <a:ea typeface="DejaVu Sans"/>
               </a:rPr>
-              <a:t>HTML ID &amp; CLASS</a:t>
-            </a:r>
-            <a:endParaRPr lang="en-US" sz="1800" b="0" strike="noStrike" spc="-1">
+              <a:t>HOW TO USE AND SYNTAX</a:t>
+            </a:r>
+            <a:endParaRPr lang="en-US" sz="1800" b="0" strike="noStrike" spc="-1" dirty="0">
               <a:solidFill>
                 <a:srgbClr val="000000"/>
               </a:solidFill>
@@ -3490,7 +3715,7 @@
         <p:spPr>
           <a:xfrm>
             <a:off x="0" y="1498680"/>
-            <a:ext cx="12191400" cy="1791000"/>
+            <a:ext cx="7101397" cy="4498200"/>
           </a:xfrm>
           <a:prstGeom prst="rect">
             <a:avLst/>
@@ -3527,22 +3752,7 @@
               <a:buChar char=""/>
             </a:pPr>
             <a:r>
-              <a:rPr lang="en-US" sz="2400" b="0" strike="noStrike" spc="-1">
-                <a:solidFill>
-                  <a:srgbClr val="FFFFFF"/>
-                </a:solidFill>
-                <a:uFill>
-                  <a:solidFill>
-                    <a:srgbClr val="FFFFFF"/>
-                  </a:solidFill>
-                </a:uFill>
-                <a:latin typeface="Lato"/>
-                <a:ea typeface="DejaVu Sans"/>
-              </a:rPr>
-              <a:t>The </a:t>
-            </a:r>
-            <a:r>
-              <a:rPr lang="en-US" sz="2400" b="1" strike="noStrike" spc="-1">
+              <a:rPr lang="vi-VN" sz="2400" b="1" spc="-1" dirty="0">
                 <a:solidFill>
                   <a:srgbClr val="FFFF00"/>
                 </a:solidFill>
@@ -3552,27 +3762,25 @@
                   </a:solidFill>
                 </a:uFill>
                 <a:latin typeface="Lato"/>
-                <a:ea typeface="DejaVu Sans"/>
-              </a:rPr>
-              <a:t>id</a:t>
-            </a:r>
-            <a:r>
-              <a:rPr lang="en-US" sz="2400" b="0" strike="noStrike" spc="-1">
-                <a:solidFill>
-                  <a:srgbClr val="FFFFFF"/>
-                </a:solidFill>
-                <a:uFill>
-                  <a:solidFill>
-                    <a:srgbClr val="FFFFFF"/>
-                  </a:solidFill>
-                </a:uFill>
-                <a:latin typeface="Lato"/>
-                <a:ea typeface="DejaVu Sans"/>
-              </a:rPr>
-              <a:t> attribute specifies a unique id for an HTML element and the </a:t>
-            </a:r>
-            <a:r>
-              <a:rPr lang="en-US" sz="2400" b="1" strike="noStrike" spc="-1">
+              </a:rPr>
+              <a:t>JavaScript</a:t>
+            </a:r>
+            <a:r>
+              <a:rPr lang="vi-VN" sz="2400" spc="-1" dirty="0">
+                <a:solidFill>
+                  <a:srgbClr val="FFFFFF"/>
+                </a:solidFill>
+                <a:uFill>
+                  <a:solidFill>
+                    <a:srgbClr val="FFFFFF"/>
+                  </a:solidFill>
+                </a:uFill>
+                <a:latin typeface="Lato"/>
+              </a:rPr>
+              <a:t> can be used in HTML by </a:t>
+            </a:r>
+            <a:r>
+              <a:rPr lang="vi-VN" sz="2400" b="1" spc="-1" dirty="0">
                 <a:solidFill>
                   <a:srgbClr val="FFFF00"/>
                 </a:solidFill>
@@ -3582,36 +3790,107 @@
                   </a:solidFill>
                 </a:uFill>
                 <a:latin typeface="Lato"/>
-                <a:ea typeface="DejaVu Sans"/>
-              </a:rPr>
-              <a:t>class</a:t>
-            </a:r>
-            <a:r>
-              <a:rPr lang="en-US" sz="2400" b="0" strike="noStrike" spc="-1">
-                <a:solidFill>
-                  <a:srgbClr val="FFFFFF"/>
-                </a:solidFill>
-                <a:uFill>
-                  <a:solidFill>
-                    <a:srgbClr val="FFFFFF"/>
-                  </a:solidFill>
-                </a:uFill>
-                <a:latin typeface="Lato"/>
-                <a:ea typeface="DejaVu Sans"/>
-              </a:rPr>
-              <a:t> attribute specifies one or more class names for an HTML element.</a:t>
-            </a:r>
-            <a:endParaRPr lang="en-US" sz="1800" b="0" strike="noStrike" spc="-1">
-              <a:solidFill>
-                <a:srgbClr val="000000"/>
-              </a:solidFill>
-              <a:uFill>
-                <a:solidFill>
-                  <a:srgbClr val="FFFFFF"/>
-                </a:solidFill>
-              </a:uFill>
-              <a:latin typeface="Arial"/>
-            </a:endParaRPr>
+              </a:rPr>
+              <a:t>using script</a:t>
+            </a:r>
+            <a:r>
+              <a:rPr lang="vi-VN" sz="2400" spc="-1" dirty="0">
+                <a:solidFill>
+                  <a:srgbClr val="FFFFFF"/>
+                </a:solidFill>
+                <a:uFill>
+                  <a:solidFill>
+                    <a:srgbClr val="FFFFFF"/>
+                  </a:solidFill>
+                </a:uFill>
+                <a:latin typeface="Lato"/>
+              </a:rPr>
+              <a:t> </a:t>
+            </a:r>
+            <a:r>
+              <a:rPr lang="vi-VN" sz="2400" b="1" spc="-1" dirty="0">
+                <a:solidFill>
+                  <a:srgbClr val="FFFF00"/>
+                </a:solidFill>
+                <a:uFill>
+                  <a:solidFill>
+                    <a:srgbClr val="FFFFFF"/>
+                  </a:solidFill>
+                </a:uFill>
+                <a:latin typeface="Lato"/>
+              </a:rPr>
+              <a:t>element</a:t>
+            </a:r>
+            <a:r>
+              <a:rPr lang="vi-VN" sz="2400" spc="-1" dirty="0">
+                <a:solidFill>
+                  <a:srgbClr val="FFFFFF"/>
+                </a:solidFill>
+                <a:uFill>
+                  <a:solidFill>
+                    <a:srgbClr val="FFFFFF"/>
+                  </a:solidFill>
+                </a:uFill>
+                <a:latin typeface="Lato"/>
+              </a:rPr>
+              <a:t> or </a:t>
+            </a:r>
+            <a:r>
+              <a:rPr lang="vi-VN" sz="2400" b="1" spc="-1" dirty="0">
+                <a:solidFill>
+                  <a:srgbClr val="FFFF00"/>
+                </a:solidFill>
+                <a:uFill>
+                  <a:solidFill>
+                    <a:srgbClr val="FFFFFF"/>
+                  </a:solidFill>
+                </a:uFill>
+                <a:latin typeface="Lato"/>
+              </a:rPr>
+              <a:t>external</a:t>
+            </a:r>
+            <a:r>
+              <a:rPr lang="vi-VN" sz="2400" spc="-1" dirty="0">
+                <a:solidFill>
+                  <a:srgbClr val="FFFFFF"/>
+                </a:solidFill>
+                <a:uFill>
+                  <a:solidFill>
+                    <a:srgbClr val="FFFFFF"/>
+                  </a:solidFill>
+                </a:uFill>
+                <a:latin typeface="Lato"/>
+              </a:rPr>
+              <a:t> file like CSS with </a:t>
+            </a:r>
+            <a:r>
+              <a:rPr lang="vi-VN" sz="2400" b="1" spc="-1" dirty="0">
+                <a:solidFill>
+                  <a:srgbClr val="FFFF00"/>
+                </a:solidFill>
+                <a:uFill>
+                  <a:solidFill>
+                    <a:srgbClr val="FFFFFF"/>
+                  </a:solidFill>
+                </a:uFill>
+                <a:latin typeface="Lato"/>
+              </a:rPr>
+              <a:t>.js</a:t>
+            </a:r>
+            <a:r>
+              <a:rPr lang="vi-VN" sz="2400" spc="-1" dirty="0">
+                <a:solidFill>
+                  <a:srgbClr val="FFFFFF"/>
+                </a:solidFill>
+                <a:uFill>
+                  <a:solidFill>
+                    <a:srgbClr val="FFFFFF"/>
+                  </a:solidFill>
+                </a:uFill>
+                <a:latin typeface="Lato"/>
+              </a:rPr>
+              <a:t> file’s extension.</a:t>
+            </a:r>
           </a:p>
           <a:p>
             <a:pPr marL="457200" indent="-456480">
@@ -3625,21 +3904,172 @@
               <a:buChar char=""/>
             </a:pPr>
             <a:r>
-              <a:rPr lang="en-US" sz="2400" b="0" strike="noStrike" spc="-1">
-                <a:solidFill>
-                  <a:srgbClr val="FFFFFF"/>
-                </a:solidFill>
-                <a:uFill>
-                  <a:solidFill>
-                    <a:srgbClr val="FFFFFF"/>
-                  </a:solidFill>
-                </a:uFill>
-                <a:latin typeface="Lato"/>
-                <a:ea typeface="DejaVu Sans"/>
-              </a:rPr>
-              <a:t>Both of them can be used by CSS and JavaScript to perform certain tasks for element.</a:t>
-            </a:r>
-            <a:endParaRPr lang="en-US" sz="1800" b="0" strike="noStrike" spc="-1">
+              <a:rPr lang="vi-VN" sz="2400" b="0" strike="noStrike" spc="-1" dirty="0">
+                <a:solidFill>
+                  <a:srgbClr val="FFFFFF"/>
+                </a:solidFill>
+                <a:uFill>
+                  <a:solidFill>
+                    <a:srgbClr val="FFFFFF"/>
+                  </a:solidFill>
+                </a:uFill>
+                <a:latin typeface="Lato"/>
+              </a:rPr>
+              <a:t>The </a:t>
+            </a:r>
+            <a:r>
+              <a:rPr lang="vi-VN" sz="2400" b="1" spc="-1" dirty="0">
+                <a:solidFill>
+                  <a:srgbClr val="FFFF00"/>
+                </a:solidFill>
+                <a:uFill>
+                  <a:solidFill>
+                    <a:srgbClr val="FFFFFF"/>
+                  </a:solidFill>
+                </a:uFill>
+                <a:latin typeface="Lato"/>
+              </a:rPr>
+              <a:t>&lt;script&gt; &lt;/script&gt;</a:t>
+            </a:r>
+            <a:r>
+              <a:rPr lang="vi-VN" sz="2400" spc="-1" dirty="0">
+                <a:solidFill>
+                  <a:srgbClr val="FFFFFF"/>
+                </a:solidFill>
+                <a:uFill>
+                  <a:solidFill>
+                    <a:srgbClr val="FFFFFF"/>
+                  </a:solidFill>
+                </a:uFill>
+                <a:latin typeface="Lato"/>
+              </a:rPr>
+              <a:t> tag can be used in </a:t>
+            </a:r>
+            <a:r>
+              <a:rPr lang="vi-VN" sz="2400" b="1" spc="-1" dirty="0">
+                <a:solidFill>
+                  <a:srgbClr val="FFFF00"/>
+                </a:solidFill>
+                <a:uFill>
+                  <a:solidFill>
+                    <a:srgbClr val="FFFFFF"/>
+                  </a:solidFill>
+                </a:uFill>
+                <a:latin typeface="Lato"/>
+              </a:rPr>
+              <a:t>&lt;head&gt; or &lt;body&gt;</a:t>
+            </a:r>
+            <a:r>
+              <a:rPr lang="vi-VN" sz="2400" spc="-1" dirty="0">
+                <a:solidFill>
+                  <a:srgbClr val="FFFFFF"/>
+                </a:solidFill>
+                <a:uFill>
+                  <a:solidFill>
+                    <a:srgbClr val="FFFFFF"/>
+                  </a:solidFill>
+                </a:uFill>
+                <a:latin typeface="Lato"/>
+              </a:rPr>
+              <a:t> section of HTML page</a:t>
+            </a:r>
+            <a:r>
+              <a:rPr lang="en-US" sz="2400" spc="-1" dirty="0">
+                <a:solidFill>
+                  <a:srgbClr val="FFFFFF"/>
+                </a:solidFill>
+                <a:uFill>
+                  <a:solidFill>
+                    <a:srgbClr val="FFFFFF"/>
+                  </a:solidFill>
+                </a:uFill>
+                <a:latin typeface="Lato"/>
+              </a:rPr>
+              <a:t>, </a:t>
+            </a:r>
+            <a:r>
+              <a:rPr lang="en-US" sz="2400" b="1" spc="-1" dirty="0">
+                <a:solidFill>
+                  <a:srgbClr val="FFFF00"/>
+                </a:solidFill>
+                <a:uFill>
+                  <a:solidFill>
+                    <a:srgbClr val="FFFFFF"/>
+                  </a:solidFill>
+                </a:uFill>
+                <a:latin typeface="Lato"/>
+              </a:rPr>
+              <a:t>or both of them</a:t>
+            </a:r>
+            <a:r>
+              <a:rPr lang="vi-VN" sz="2400" spc="-1" dirty="0">
+                <a:solidFill>
+                  <a:srgbClr val="FFFFFF"/>
+                </a:solidFill>
+                <a:uFill>
+                  <a:solidFill>
+                    <a:srgbClr val="FFFFFF"/>
+                  </a:solidFill>
+                </a:uFill>
+                <a:latin typeface="Lato"/>
+              </a:rPr>
+              <a:t>.</a:t>
+            </a:r>
+          </a:p>
+          <a:p>
+            <a:pPr marL="457200" indent="-456480">
+              <a:lnSpc>
+                <a:spcPct val="150000"/>
+              </a:lnSpc>
+              <a:buClr>
+                <a:srgbClr val="FFFFFF"/>
+              </a:buClr>
+              <a:buFont typeface="Wingdings" charset="2"/>
+              <a:buChar char=""/>
+            </a:pPr>
+            <a:r>
+              <a:rPr lang="vi-VN" sz="2400" b="0" strike="noStrike" spc="-1" dirty="0">
+                <a:solidFill>
+                  <a:srgbClr val="FFFFFF"/>
+                </a:solidFill>
+                <a:uFill>
+                  <a:solidFill>
+                    <a:srgbClr val="FFFFFF"/>
+                  </a:solidFill>
+                </a:uFill>
+                <a:latin typeface="Lato"/>
+              </a:rPr>
+              <a:t>In external file Javascript, no need to declare script ta</a:t>
+            </a:r>
+            <a:r>
+              <a:rPr lang="vi-VN" sz="2400" spc="-1" dirty="0">
+                <a:solidFill>
+                  <a:srgbClr val="FFFFFF"/>
+                </a:solidFill>
+                <a:uFill>
+                  <a:solidFill>
+                    <a:srgbClr val="FFFFFF"/>
+                  </a:solidFill>
+                </a:uFill>
+                <a:latin typeface="Lato"/>
+              </a:rPr>
+              <a:t>g</a:t>
+            </a:r>
+            <a:r>
+              <a:rPr lang="en-US" sz="2400" spc="-1" dirty="0">
+                <a:solidFill>
+                  <a:srgbClr val="FFFFFF"/>
+                </a:solidFill>
+                <a:uFill>
+                  <a:solidFill>
+                    <a:srgbClr val="FFFFFF"/>
+                  </a:solidFill>
+                </a:uFill>
+                <a:latin typeface="Lato"/>
+              </a:rPr>
+              <a:t>, have to declare script link to file.</a:t>
+            </a:r>
+            <a:endParaRPr lang="en-US" sz="1800" b="0" strike="noStrike" spc="-1" dirty="0">
               <a:solidFill>
                 <a:srgbClr val="000000"/>
               </a:solidFill>
@@ -3689,229 +4119,40 @@
       </p:sp>
       <p:pic>
         <p:nvPicPr>
-          <p:cNvPr id="51" name="Picture 2"/>
-          <p:cNvPicPr/>
+          <p:cNvPr id="3" name="Picture 2">
+            <a:extLst>
+              <a:ext uri="{FF2B5EF4-FFF2-40B4-BE49-F238E27FC236}">
+                <a16:creationId xmlns:a16="http://schemas.microsoft.com/office/drawing/2014/main" id="{985F257D-9FD3-4E8D-B7D8-5BC3381D4266}"/>
+              </a:ext>
+            </a:extLst>
+          </p:cNvPr>
+          <p:cNvPicPr>
+            <a:picLocks noChangeAspect="1"/>
+          </p:cNvPicPr>
           <p:nvPr/>
         </p:nvPicPr>
         <p:blipFill>
-          <a:blip r:embed="rId2"/>
-          <a:stretch/>
+          <a:blip r:embed="rId2">
+            <a:extLst>
+              <a:ext uri="{28A0092B-C50C-407E-A947-70E740481C1C}">
+                <a14:useLocalDpi xmlns:a14="http://schemas.microsoft.com/office/drawing/2010/main" val="0"/>
+              </a:ext>
+            </a:extLst>
+          </a:blip>
+          <a:stretch>
+            <a:fillRect/>
+          </a:stretch>
         </p:blipFill>
         <p:spPr>
           <a:xfrm>
-            <a:off x="2790360" y="3290040"/>
-            <a:ext cx="6611040" cy="923760"/>
-          </a:xfrm>
-          <a:prstGeom prst="rect">
-            <a:avLst/>
-          </a:prstGeom>
-          <a:ln>
-            <a:noFill/>
-          </a:ln>
+            <a:off x="7103197" y="1692658"/>
+            <a:ext cx="4903427" cy="4102683"/>
+          </a:xfrm>
+          <a:prstGeom prst="rect">
+            <a:avLst/>
+          </a:prstGeom>
         </p:spPr>
       </p:pic>
-      <p:sp>
-        <p:nvSpPr>
-          <p:cNvPr id="52" name="CustomShape 5"/>
-          <p:cNvSpPr/>
-          <p:nvPr/>
-        </p:nvSpPr>
-        <p:spPr>
-          <a:xfrm>
-            <a:off x="-1440" y="4207680"/>
-            <a:ext cx="12191400" cy="2649600"/>
-          </a:xfrm>
-          <a:prstGeom prst="rect">
-            <a:avLst/>
-          </a:prstGeom>
-          <a:noFill/>
-          <a:ln>
-            <a:noFill/>
-          </a:ln>
-        </p:spPr>
-        <p:style>
-          <a:lnRef idx="0">
-            <a:scrgbClr r="0" g="0" b="0"/>
-          </a:lnRef>
-          <a:fillRef idx="0">
-            <a:scrgbClr r="0" g="0" b="0"/>
-          </a:fillRef>
-          <a:effectRef idx="0">
-            <a:scrgbClr r="0" g="0" b="0"/>
-          </a:effectRef>
-          <a:fontRef idx="minor"/>
-        </p:style>
-        <p:txBody>
-          <a:bodyPr lIns="90000" tIns="45000" rIns="90000" bIns="45000"/>
-          <a:lstStyle/>
-          <a:p>
-            <a:pPr marL="457200" indent="-456480">
-              <a:lnSpc>
-                <a:spcPct val="150000"/>
-              </a:lnSpc>
-              <a:buClr>
-                <a:srgbClr val="FFFFFF"/>
-              </a:buClr>
-              <a:buFont typeface="Wingdings" charset="2"/>
-              <a:buChar char=""/>
-            </a:pPr>
-            <a:r>
-              <a:rPr lang="en-US" sz="2400" b="0" strike="noStrike" spc="-1">
-                <a:solidFill>
-                  <a:srgbClr val="FFFFFF"/>
-                </a:solidFill>
-                <a:uFill>
-                  <a:solidFill>
-                    <a:srgbClr val="FFFFFF"/>
-                  </a:solidFill>
-                </a:uFill>
-                <a:latin typeface="Lato"/>
-                <a:ea typeface="DejaVu Sans"/>
-              </a:rPr>
-              <a:t>The </a:t>
-            </a:r>
-            <a:r>
-              <a:rPr lang="en-US" sz="2400" b="1" strike="noStrike" spc="-1">
-                <a:solidFill>
-                  <a:srgbClr val="FFFF00"/>
-                </a:solidFill>
-                <a:uFill>
-                  <a:solidFill>
-                    <a:srgbClr val="FFFFFF"/>
-                  </a:solidFill>
-                </a:uFill>
-                <a:latin typeface="Lato"/>
-                <a:ea typeface="DejaVu Sans"/>
-              </a:rPr>
-              <a:t>id</a:t>
-            </a:r>
-            <a:r>
-              <a:rPr lang="en-US" sz="2400" b="0" strike="noStrike" spc="-1">
-                <a:solidFill>
-                  <a:srgbClr val="FFFFFF"/>
-                </a:solidFill>
-                <a:uFill>
-                  <a:solidFill>
-                    <a:srgbClr val="FFFFFF"/>
-                  </a:solidFill>
-                </a:uFill>
-                <a:latin typeface="Lato"/>
-                <a:ea typeface="DejaVu Sans"/>
-              </a:rPr>
-              <a:t> attribute can be used to bookmark, it is used to allow readers to jump to specific parts of a web page.</a:t>
-            </a:r>
-            <a:endParaRPr lang="en-US" sz="1800" b="0" strike="noStrike" spc="-1">
-              <a:solidFill>
-                <a:srgbClr val="000000"/>
-              </a:solidFill>
-              <a:uFill>
-                <a:solidFill>
-                  <a:srgbClr val="FFFFFF"/>
-                </a:solidFill>
-              </a:uFill>
-              <a:latin typeface="Arial"/>
-            </a:endParaRPr>
-          </a:p>
-          <a:p>
-            <a:pPr marL="457200" indent="-456480">
-              <a:lnSpc>
-                <a:spcPct val="150000"/>
-              </a:lnSpc>
-              <a:buClr>
-                <a:srgbClr val="FFFFFF"/>
-              </a:buClr>
-              <a:buFont typeface="Wingdings" charset="2"/>
-              <a:buChar char=""/>
-            </a:pPr>
-            <a:r>
-              <a:rPr lang="en-US" sz="2400" b="0" strike="noStrike" spc="-1">
-                <a:solidFill>
-                  <a:srgbClr val="FFFFFF"/>
-                </a:solidFill>
-                <a:uFill>
-                  <a:solidFill>
-                    <a:srgbClr val="FFFFFF"/>
-                  </a:solidFill>
-                </a:uFill>
-                <a:latin typeface="Lato"/>
-                <a:ea typeface="DejaVu Sans"/>
-              </a:rPr>
-              <a:t>Each element can have </a:t>
-            </a:r>
-            <a:r>
-              <a:rPr lang="en-US" sz="2400" b="1" strike="noStrike" spc="-1">
-                <a:solidFill>
-                  <a:srgbClr val="FFFF00"/>
-                </a:solidFill>
-                <a:uFill>
-                  <a:solidFill>
-                    <a:srgbClr val="FFFFFF"/>
-                  </a:solidFill>
-                </a:uFill>
-                <a:latin typeface="Lato"/>
-                <a:ea typeface="DejaVu Sans"/>
-              </a:rPr>
-              <a:t>multiple class </a:t>
-            </a:r>
-            <a:r>
-              <a:rPr lang="en-US" sz="2400" b="0" strike="noStrike" spc="-1">
-                <a:solidFill>
-                  <a:srgbClr val="FFFFFF"/>
-                </a:solidFill>
-                <a:uFill>
-                  <a:solidFill>
-                    <a:srgbClr val="FFFFFF"/>
-                  </a:solidFill>
-                </a:uFill>
-                <a:latin typeface="Lato"/>
-                <a:ea typeface="DejaVu Sans"/>
-              </a:rPr>
-              <a:t>but </a:t>
-            </a:r>
-            <a:r>
-              <a:rPr lang="en-US" sz="2400" b="1" strike="noStrike" spc="-1">
-                <a:solidFill>
-                  <a:srgbClr val="FFFF00"/>
-                </a:solidFill>
-                <a:uFill>
-                  <a:solidFill>
-                    <a:srgbClr val="FFFFFF"/>
-                  </a:solidFill>
-                </a:uFill>
-                <a:latin typeface="Lato"/>
-                <a:ea typeface="DejaVu Sans"/>
-              </a:rPr>
-              <a:t>unique id</a:t>
-            </a:r>
-            <a:r>
-              <a:rPr lang="en-US" sz="2400" b="0" strike="noStrike" spc="-1">
-                <a:solidFill>
-                  <a:srgbClr val="FFFFFF"/>
-                </a:solidFill>
-                <a:uFill>
-                  <a:solidFill>
-                    <a:srgbClr val="FFFFFF"/>
-                  </a:solidFill>
-                </a:uFill>
-                <a:latin typeface="Lato"/>
-                <a:ea typeface="DejaVu Sans"/>
-              </a:rPr>
-              <a:t>.</a:t>
-            </a:r>
-            <a:endParaRPr lang="en-US" sz="1800" b="0" strike="noStrike" spc="-1">
-              <a:solidFill>
-                <a:srgbClr val="000000"/>
-              </a:solidFill>
-              <a:uFill>
-                <a:solidFill>
-                  <a:srgbClr val="FFFFFF"/>
-                </a:solidFill>
-              </a:uFill>
-              <a:latin typeface="Arial"/>
-            </a:endParaRPr>
-          </a:p>
-        </p:txBody>
-      </p:sp>
     </p:spTree>
   </p:cSld>
   <p:clrMapOvr>
@@ -4041,7 +4282,7 @@
               </a:lnSpc>
             </a:pPr>
             <a:r>
-              <a:rPr lang="en-US" sz="3600" b="0" strike="noStrike" spc="-1">
+              <a:rPr lang="vi-VN" sz="3600" b="0" strike="noStrike" spc="-1" dirty="0">
                 <a:solidFill>
                   <a:srgbClr val="FFFFFF"/>
                 </a:solidFill>
@@ -4053,9 +4294,9 @@
                 <a:latin typeface="Lato"/>
                 <a:ea typeface="DejaVu Sans"/>
               </a:rPr>
-              <a:t>HOW TO USE CSS</a:t>
-            </a:r>
-            <a:endParaRPr lang="en-US" sz="1800" b="0" strike="noStrike" spc="-1">
+              <a:t>JAVASCRIPT OUTPUT</a:t>
+            </a:r>
+            <a:endParaRPr lang="en-US" sz="1800" b="0" strike="noStrike" spc="-1" dirty="0">
               <a:solidFill>
                 <a:srgbClr val="000000"/>
               </a:solidFill>
@@ -4115,7 +4356,7 @@
               <a:buChar char=""/>
             </a:pPr>
             <a:r>
-              <a:rPr lang="en-US" sz="2400" b="0" strike="noStrike" spc="-1">
+              <a:rPr lang="en-US" sz="2400" b="0" strike="noStrike" spc="-1" dirty="0">
                 <a:solidFill>
                   <a:srgbClr val="FFFFFF"/>
                 </a:solidFill>
@@ -4127,10 +4368,10 @@
                 <a:latin typeface="Lato"/>
                 <a:ea typeface="DejaVu Sans"/>
               </a:rPr>
-              <a:t>There are </a:t>
-            </a:r>
-            <a:r>
-              <a:rPr lang="en-US" sz="2400" b="1" strike="noStrike" spc="-1">
+              <a:t>First, </a:t>
+            </a:r>
+            <a:r>
+              <a:rPr lang="en-US" sz="2400" b="1" strike="noStrike" spc="-1" dirty="0">
                 <a:solidFill>
                   <a:srgbClr val="FFFF00"/>
                 </a:solidFill>
@@ -4142,10 +4383,10 @@
                 <a:latin typeface="Lato"/>
                 <a:ea typeface="DejaVu Sans"/>
               </a:rPr>
-              <a:t>three ways </a:t>
-            </a:r>
-            <a:r>
-              <a:rPr lang="en-US" sz="2400" b="0" strike="noStrike" spc="-1">
+              <a:t>JavaScript</a:t>
+            </a:r>
+            <a:r>
+              <a:rPr lang="en-US" sz="2400" b="0" strike="noStrike" spc="-1" dirty="0">
                 <a:solidFill>
                   <a:srgbClr val="FFFFFF"/>
                 </a:solidFill>
@@ -4157,10 +4398,10 @@
                 <a:latin typeface="Lato"/>
                 <a:ea typeface="DejaVu Sans"/>
               </a:rPr>
-              <a:t>to insert CSS into your HTML document : </a:t>
-            </a:r>
-            <a:r>
-              <a:rPr lang="en-US" sz="2400" b="1" strike="noStrike" spc="-1">
+              <a:t> can be used </a:t>
+            </a:r>
+            <a:r>
+              <a:rPr lang="en-US" sz="2400" b="1" strike="noStrike" spc="-1" dirty="0">
                 <a:solidFill>
                   <a:srgbClr val="FFFF00"/>
                 </a:solidFill>
@@ -4172,10 +4413,10 @@
                 <a:latin typeface="Lato"/>
                 <a:ea typeface="DejaVu Sans"/>
               </a:rPr>
-              <a:t>Inline style</a:t>
-            </a:r>
-            <a:r>
-              <a:rPr lang="en-US" sz="2400" b="0" strike="noStrike" spc="-1">
+              <a:t>by the element</a:t>
+            </a:r>
+            <a:r>
+              <a:rPr lang="en-US" sz="2400" b="0" strike="noStrike" spc="-1" dirty="0">
                 <a:solidFill>
                   <a:srgbClr val="FFFFFF"/>
                 </a:solidFill>
@@ -4190,7 +4431,7 @@
               <a:t>, </a:t>
             </a:r>
             <a:r>
-              <a:rPr lang="en-US" sz="2400" b="1" strike="noStrike" spc="-1">
+              <a:rPr lang="en-US" sz="2400" b="1" strike="noStrike" spc="-1" dirty="0">
                 <a:solidFill>
                   <a:srgbClr val="FFFF00"/>
                 </a:solidFill>
@@ -4202,10 +4443,10 @@
                 <a:latin typeface="Lato"/>
                 <a:ea typeface="DejaVu Sans"/>
               </a:rPr>
-              <a:t>Internal style sheet</a:t>
-            </a:r>
-            <a:r>
-              <a:rPr lang="en-US" sz="2400" b="0" strike="noStrike" spc="-1">
+              <a:t>id</a:t>
+            </a:r>
+            <a:r>
+              <a:rPr lang="en-US" sz="2400" b="0" strike="noStrike" spc="-1" dirty="0">
                 <a:solidFill>
                   <a:srgbClr val="FFFFFF"/>
                 </a:solidFill>
@@ -4217,10 +4458,10 @@
                 <a:latin typeface="Lato"/>
                 <a:ea typeface="DejaVu Sans"/>
               </a:rPr>
-              <a:t> and </a:t>
-            </a:r>
-            <a:r>
-              <a:rPr lang="en-US" sz="2400" b="1" strike="noStrike" spc="-1">
+              <a:t> or </a:t>
+            </a:r>
+            <a:r>
+              <a:rPr lang="en-US" sz="2400" b="1" strike="noStrike" spc="-1" dirty="0">
                 <a:solidFill>
                   <a:srgbClr val="FFFF00"/>
                 </a:solidFill>
@@ -4232,10 +4473,10 @@
                 <a:latin typeface="Lato"/>
                 <a:ea typeface="DejaVu Sans"/>
               </a:rPr>
-              <a:t>External style sheet</a:t>
-            </a:r>
-            <a:r>
-              <a:rPr lang="en-US" sz="2400" b="0" strike="noStrike" spc="-1">
+              <a:t>class</a:t>
+            </a:r>
+            <a:r>
+              <a:rPr lang="en-US" sz="2400" b="0" strike="noStrike" spc="-1" dirty="0">
                 <a:solidFill>
                   <a:srgbClr val="FFFFFF"/>
                 </a:solidFill>
@@ -4247,19 +4488,83 @@
                 <a:latin typeface="Lato"/>
                 <a:ea typeface="DejaVu Sans"/>
               </a:rPr>
-              <a:t>.</a:t>
-            </a:r>
-            <a:endParaRPr lang="en-US" sz="1800" b="0" strike="noStrike" spc="-1">
-              <a:solidFill>
-                <a:srgbClr val="000000"/>
-              </a:solidFill>
-              <a:uFill>
-                <a:solidFill>
-                  <a:srgbClr val="FFFFFF"/>
-                </a:solidFill>
-              </a:uFill>
-              <a:latin typeface="Arial"/>
-            </a:endParaRPr>
+              <a:t> of HTML to </a:t>
+            </a:r>
+            <a:r>
+              <a:rPr lang="en-US" sz="2400" b="1" strike="noStrike" spc="-1" dirty="0">
+                <a:solidFill>
+                  <a:srgbClr val="FFFF00"/>
+                </a:solidFill>
+                <a:uFill>
+                  <a:solidFill>
+                    <a:srgbClr val="FFFFFF"/>
+                  </a:solidFill>
+                </a:uFill>
+                <a:latin typeface="Lato"/>
+                <a:ea typeface="DejaVu Sans"/>
+              </a:rPr>
+              <a:t>manipulate</a:t>
+            </a:r>
+            <a:r>
+              <a:rPr lang="en-US" sz="2400" b="0" strike="noStrike" spc="-1" dirty="0">
+                <a:solidFill>
+                  <a:srgbClr val="FFFFFF"/>
+                </a:solidFill>
+                <a:uFill>
+                  <a:solidFill>
+                    <a:srgbClr val="FFFFFF"/>
+                  </a:solidFill>
+                </a:uFill>
+                <a:latin typeface="Lato"/>
+                <a:ea typeface="DejaVu Sans"/>
+              </a:rPr>
+              <a:t> the </a:t>
+            </a:r>
+            <a:r>
+              <a:rPr lang="en-US" sz="2400" b="1" strike="noStrike" spc="-1" dirty="0">
+                <a:solidFill>
+                  <a:srgbClr val="FFFF00"/>
+                </a:solidFill>
+                <a:uFill>
+                  <a:solidFill>
+                    <a:srgbClr val="FFFFFF"/>
+                  </a:solidFill>
+                </a:uFill>
+                <a:latin typeface="Lato"/>
+                <a:ea typeface="DejaVu Sans"/>
+              </a:rPr>
+              <a:t>content of </a:t>
+            </a:r>
+            <a:r>
+              <a:rPr lang="en-US" sz="2400" b="1" spc="-1" dirty="0">
+                <a:solidFill>
+                  <a:srgbClr val="FFFF00"/>
+                </a:solidFill>
+                <a:uFill>
+                  <a:solidFill>
+                    <a:srgbClr val="FFFFFF"/>
+                  </a:solidFill>
+                </a:uFill>
+                <a:latin typeface="Lato"/>
+                <a:ea typeface="DejaVu Sans"/>
+              </a:rPr>
+              <a:t>web pages</a:t>
+            </a:r>
+            <a:r>
+              <a:rPr lang="en-US" sz="2400" spc="-1" dirty="0">
+                <a:solidFill>
+                  <a:srgbClr val="FFFFFF"/>
+                </a:solidFill>
+                <a:uFill>
+                  <a:solidFill>
+                    <a:srgbClr val="FFFFFF"/>
+                  </a:solidFill>
+                </a:uFill>
+                <a:latin typeface="Lato"/>
+                <a:ea typeface="DejaVu Sans"/>
+              </a:rPr>
+              <a:t>. </a:t>
+            </a:r>
           </a:p>
           <a:p>
             <a:pPr marL="457200" indent="-456480">
@@ -4273,7 +4578,7 @@
               <a:buChar char=""/>
             </a:pPr>
             <a:r>
-              <a:rPr lang="en-US" sz="2400" b="0" strike="noStrike" spc="-1">
+              <a:rPr lang="en-US" sz="2400" b="0" strike="noStrike" spc="-1" dirty="0">
                 <a:solidFill>
                   <a:srgbClr val="FFFFFF"/>
                 </a:solidFill>
@@ -4285,10 +4590,10 @@
                 <a:latin typeface="Lato"/>
                 <a:ea typeface="DejaVu Sans"/>
               </a:rPr>
-              <a:t>An Inline style may be used to apply a unique style for a single element, </a:t>
-            </a:r>
-            <a:r>
-              <a:rPr lang="en-US" sz="2400" b="1" strike="noStrike" spc="-1">
+              <a:t>Using </a:t>
+            </a:r>
+            <a:r>
+              <a:rPr lang="en-US" sz="2400" b="1" strike="noStrike" spc="-1" dirty="0" err="1">
                 <a:solidFill>
                   <a:srgbClr val="FFFF00"/>
                 </a:solidFill>
@@ -4300,12 +4605,12 @@
                 <a:latin typeface="Lato"/>
                 <a:ea typeface="DejaVu Sans"/>
               </a:rPr>
-              <a:t>using the style attribute </a:t>
-            </a:r>
-            <a:r>
-              <a:rPr lang="en-US" sz="2400" b="0" strike="noStrike" spc="-1">
-                <a:solidFill>
-                  <a:srgbClr val="FFFFFF"/>
+              <a:t>document.getElementById</a:t>
+            </a:r>
+            <a:r>
+              <a:rPr lang="en-US" sz="2400" b="1" strike="noStrike" spc="-1" dirty="0">
+                <a:solidFill>
+                  <a:srgbClr val="FFFF00"/>
                 </a:solidFill>
                 <a:uFill>
                   <a:solidFill>
@@ -4315,19 +4620,23 @@
                 <a:latin typeface="Lato"/>
                 <a:ea typeface="DejaVu Sans"/>
               </a:rPr>
-              <a:t>to declare style of element.</a:t>
-            </a:r>
-            <a:endParaRPr lang="en-US" sz="1800" b="0" strike="noStrike" spc="-1">
-              <a:solidFill>
-                <a:srgbClr val="000000"/>
-              </a:solidFill>
-              <a:uFill>
-                <a:solidFill>
-                  <a:srgbClr val="FFFFFF"/>
-                </a:solidFill>
-              </a:uFill>
-              <a:latin typeface="Arial"/>
-            </a:endParaRPr>
+              <a:t>(‘id-name’)</a:t>
+            </a:r>
+            <a:r>
+              <a:rPr lang="en-US" sz="2400" b="0" strike="noStrike" spc="-1" dirty="0">
+                <a:solidFill>
+                  <a:srgbClr val="FFFFFF"/>
+                </a:solidFill>
+                <a:uFill>
+                  <a:solidFill>
+                    <a:srgbClr val="FFFFFF"/>
+                  </a:solidFill>
+                </a:uFill>
+                <a:latin typeface="Lato"/>
+                <a:ea typeface="DejaVu Sans"/>
+              </a:rPr>
+              <a:t> to get the “point” on HTML DOM by ID.</a:t>
+            </a:r>
           </a:p>
           <a:p>
             <a:pPr marL="457200" indent="-456480">
@@ -4341,7 +4650,7 @@
               <a:buChar char=""/>
             </a:pPr>
             <a:r>
-              <a:rPr lang="en-US" sz="2400" b="0" strike="noStrike" spc="-1">
+              <a:rPr lang="en-US" sz="2400" b="0" strike="noStrike" spc="-1" dirty="0">
                 <a:solidFill>
                   <a:srgbClr val="FFFFFF"/>
                 </a:solidFill>
@@ -4353,10 +4662,10 @@
                 <a:latin typeface="Lato"/>
                 <a:ea typeface="DejaVu Sans"/>
               </a:rPr>
-              <a:t>An Internal style sheet may be used if one single page has a unique style, using </a:t>
-            </a:r>
-            <a:r>
-              <a:rPr lang="en-US" sz="2400" b="1" strike="noStrike" spc="-1">
+              <a:t>Writing into an HTML element, using </a:t>
+            </a:r>
+            <a:r>
+              <a:rPr lang="en-US" sz="2400" b="1" strike="noStrike" spc="-1" dirty="0" err="1">
                 <a:solidFill>
                   <a:srgbClr val="FFFF00"/>
                 </a:solidFill>
@@ -4368,10 +4677,10 @@
                 <a:latin typeface="Lato"/>
                 <a:ea typeface="DejaVu Sans"/>
               </a:rPr>
-              <a:t>&lt;style&gt; &lt;/style&gt; </a:t>
-            </a:r>
-            <a:r>
-              <a:rPr lang="en-US" sz="2400" b="0" strike="noStrike" spc="-1">
+              <a:t>innerHTML</a:t>
+            </a:r>
+            <a:r>
+              <a:rPr lang="en-US" sz="2400" spc="-1" dirty="0">
                 <a:solidFill>
                   <a:srgbClr val="FFFFFF"/>
                 </a:solidFill>
@@ -4383,18 +4692,19 @@
                 <a:latin typeface="Lato"/>
                 <a:ea typeface="DejaVu Sans"/>
               </a:rPr>
-              <a:t>tag to define style of whole page through element, id or class of element.</a:t>
-            </a:r>
-            <a:endParaRPr lang="en-US" sz="1800" b="0" strike="noStrike" spc="-1">
+              <a:t> to defines the HTML content.</a:t>
+            </a:r>
+            <a:endParaRPr lang="en-US" sz="2400" b="0" strike="noStrike" spc="-1" dirty="0">
               <a:solidFill>
-                <a:srgbClr val="000000"/>
+                <a:srgbClr val="FFFFFF"/>
               </a:solidFill>
               <a:uFill>
                 <a:solidFill>
                   <a:srgbClr val="FFFFFF"/>
                 </a:solidFill>
               </a:uFill>
-              <a:latin typeface="Arial"/>
+              <a:latin typeface="Lato"/>
+              <a:ea typeface="DejaVu Sans"/>
             </a:endParaRPr>
           </a:p>
           <a:p>
@@ -4409,22 +4719,21 @@
               <a:buChar char=""/>
             </a:pPr>
             <a:r>
-              <a:rPr lang="en-US" sz="2400" b="0" strike="noStrike" spc="-1">
-                <a:solidFill>
-                  <a:srgbClr val="FFFFFF"/>
-                </a:solidFill>
-                <a:uFill>
-                  <a:solidFill>
-                    <a:srgbClr val="FFFFFF"/>
-                  </a:solidFill>
-                </a:uFill>
-                <a:latin typeface="Lato"/>
-                <a:ea typeface="DejaVu Sans"/>
-              </a:rPr>
-              <a:t>An External style sheet can change the look of an entire website by changing just one file, using </a:t>
-            </a:r>
-            <a:r>
-              <a:rPr lang="en-US" sz="2400" b="1" strike="noStrike" spc="-1">
+              <a:rPr lang="en-US" sz="2400" spc="-1" dirty="0">
+                <a:solidFill>
+                  <a:srgbClr val="FFFFFF"/>
+                </a:solidFill>
+                <a:uFill>
+                  <a:solidFill>
+                    <a:srgbClr val="FFFFFF"/>
+                  </a:solidFill>
+                </a:uFill>
+                <a:latin typeface="Lato"/>
+              </a:rPr>
+              <a:t>Writing into the HTML output, using </a:t>
+            </a:r>
+            <a:r>
+              <a:rPr lang="en-US" sz="2400" b="1" spc="-1" dirty="0" err="1">
                 <a:solidFill>
                   <a:srgbClr val="FFFF00"/>
                 </a:solidFill>
@@ -4434,44 +4743,223 @@
                   </a:solidFill>
                 </a:uFill>
                 <a:latin typeface="Lato"/>
-                <a:ea typeface="DejaVu Sans"/>
-              </a:rPr>
-              <a:t>&lt;link&gt;</a:t>
-            </a:r>
-            <a:r>
-              <a:rPr lang="en-US" sz="2400" b="0" strike="noStrike" spc="-1">
-                <a:solidFill>
-                  <a:srgbClr val="FFFFFF"/>
-                </a:solidFill>
-                <a:uFill>
-                  <a:solidFill>
-                    <a:srgbClr val="FFFFFF"/>
-                  </a:solidFill>
-                </a:uFill>
-                <a:latin typeface="Lato"/>
-                <a:ea typeface="DejaVu Sans"/>
-              </a:rPr>
-              <a:t> tag to define the file.</a:t>
-            </a:r>
-            <a:endParaRPr lang="en-US" sz="1800" b="0" strike="noStrike" spc="-1">
-              <a:solidFill>
-                <a:srgbClr val="000000"/>
-              </a:solidFill>
-              <a:uFill>
-                <a:solidFill>
-                  <a:srgbClr val="FFFFFF"/>
-                </a:solidFill>
-              </a:uFill>
-              <a:latin typeface="Arial"/>
-            </a:endParaRPr>
-          </a:p>
-          <a:p>
-            <a:pPr>
+              </a:rPr>
+              <a:t>document.write</a:t>
+            </a:r>
+            <a:r>
+              <a:rPr lang="en-US" sz="2400" b="1" spc="-1" dirty="0">
+                <a:solidFill>
+                  <a:srgbClr val="FFFF00"/>
+                </a:solidFill>
+                <a:uFill>
+                  <a:solidFill>
+                    <a:srgbClr val="FFFFFF"/>
+                  </a:solidFill>
+                </a:uFill>
+                <a:latin typeface="Lato"/>
+              </a:rPr>
+              <a:t>()</a:t>
+            </a:r>
+            <a:r>
+              <a:rPr lang="en-US" sz="2400" spc="-1" dirty="0">
+                <a:solidFill>
+                  <a:srgbClr val="FFFFFF"/>
+                </a:solidFill>
+                <a:uFill>
+                  <a:solidFill>
+                    <a:srgbClr val="FFFFFF"/>
+                  </a:solidFill>
+                </a:uFill>
+                <a:latin typeface="Lato"/>
+              </a:rPr>
+              <a:t> to rewrite into DOM.</a:t>
+            </a:r>
+          </a:p>
+          <a:p>
+            <a:pPr marL="457200" indent="-456480">
               <a:lnSpc>
                 <a:spcPct val="150000"/>
               </a:lnSpc>
+              <a:buClr>
+                <a:srgbClr val="FFFFFF"/>
+              </a:buClr>
+              <a:buFont typeface="Wingdings" charset="2"/>
+              <a:buChar char=""/>
             </a:pPr>
-            <a:endParaRPr lang="en-US" sz="1800" b="0" strike="noStrike" spc="-1">
+            <a:r>
+              <a:rPr lang="en-US" sz="2400" b="0" strike="noStrike" spc="-1" dirty="0">
+                <a:solidFill>
+                  <a:srgbClr val="FFFFFF"/>
+                </a:solidFill>
+                <a:uFill>
+                  <a:solidFill>
+                    <a:srgbClr val="FFFFFF"/>
+                  </a:solidFill>
+                </a:uFill>
+                <a:latin typeface="Lato"/>
+              </a:rPr>
+              <a:t>Wri</a:t>
+            </a:r>
+            <a:r>
+              <a:rPr lang="en-US" sz="2400" spc="-1" dirty="0">
+                <a:solidFill>
+                  <a:srgbClr val="FFFFFF"/>
+                </a:solidFill>
+                <a:uFill>
+                  <a:solidFill>
+                    <a:srgbClr val="FFFFFF"/>
+                  </a:solidFill>
+                </a:uFill>
+                <a:latin typeface="Lato"/>
+              </a:rPr>
+              <a:t>ting into an alert box, using </a:t>
+            </a:r>
+            <a:r>
+              <a:rPr lang="en-US" sz="2400" b="1" spc="-1" dirty="0" err="1">
+                <a:solidFill>
+                  <a:srgbClr val="FFFF00"/>
+                </a:solidFill>
+                <a:uFill>
+                  <a:solidFill>
+                    <a:srgbClr val="FFFFFF"/>
+                  </a:solidFill>
+                </a:uFill>
+                <a:latin typeface="Lato"/>
+              </a:rPr>
+              <a:t>window.alert</a:t>
+            </a:r>
+            <a:r>
+              <a:rPr lang="en-US" sz="2400" b="1" spc="-1" dirty="0">
+                <a:solidFill>
+                  <a:srgbClr val="FFFF00"/>
+                </a:solidFill>
+                <a:uFill>
+                  <a:solidFill>
+                    <a:srgbClr val="FFFFFF"/>
+                  </a:solidFill>
+                </a:uFill>
+                <a:latin typeface="Lato"/>
+              </a:rPr>
+              <a:t>()</a:t>
+            </a:r>
+            <a:r>
+              <a:rPr lang="en-US" sz="2400" spc="-1" dirty="0">
+                <a:solidFill>
+                  <a:srgbClr val="FFFFFF"/>
+                </a:solidFill>
+                <a:uFill>
+                  <a:solidFill>
+                    <a:srgbClr val="FFFFFF"/>
+                  </a:solidFill>
+                </a:uFill>
+                <a:latin typeface="Lato"/>
+              </a:rPr>
+              <a:t> to call a modal display data.</a:t>
+            </a:r>
+          </a:p>
+          <a:p>
+            <a:pPr marL="457200" indent="-456480">
+              <a:lnSpc>
+                <a:spcPct val="150000"/>
+              </a:lnSpc>
+              <a:buClr>
+                <a:srgbClr val="FFFFFF"/>
+              </a:buClr>
+              <a:buFont typeface="Wingdings" charset="2"/>
+              <a:buChar char=""/>
+            </a:pPr>
+            <a:r>
+              <a:rPr lang="en-US" sz="2400" b="0" strike="noStrike" spc="-1" dirty="0">
+                <a:solidFill>
+                  <a:srgbClr val="FFFFFF"/>
+                </a:solidFill>
+                <a:uFill>
+                  <a:solidFill>
+                    <a:srgbClr val="FFFFFF"/>
+                  </a:solidFill>
+                </a:uFill>
+                <a:latin typeface="Lato"/>
+              </a:rPr>
+              <a:t>Writing into the browser console</a:t>
+            </a:r>
+            <a:r>
+              <a:rPr lang="en-US" sz="2400" spc="-1" dirty="0">
+                <a:solidFill>
+                  <a:srgbClr val="FFFFFF"/>
+                </a:solidFill>
+                <a:uFill>
+                  <a:solidFill>
+                    <a:srgbClr val="FFFFFF"/>
+                  </a:solidFill>
+                </a:uFill>
+                <a:latin typeface="Lato"/>
+              </a:rPr>
+              <a:t>, using </a:t>
+            </a:r>
+            <a:r>
+              <a:rPr lang="en-US" sz="2400" b="1" spc="-1" dirty="0">
+                <a:solidFill>
+                  <a:srgbClr val="FFFF00"/>
+                </a:solidFill>
+                <a:uFill>
+                  <a:solidFill>
+                    <a:srgbClr val="FFFFFF"/>
+                  </a:solidFill>
+                </a:uFill>
+                <a:latin typeface="Lato"/>
+              </a:rPr>
+              <a:t>console.log()</a:t>
+            </a:r>
+            <a:r>
+              <a:rPr lang="en-US" sz="2400" spc="-1" dirty="0">
+                <a:solidFill>
+                  <a:srgbClr val="FFFFFF"/>
+                </a:solidFill>
+                <a:uFill>
+                  <a:solidFill>
+                    <a:srgbClr val="FFFFFF"/>
+                  </a:solidFill>
+                </a:uFill>
+                <a:latin typeface="Lato"/>
+              </a:rPr>
+              <a:t> to display data in console tab of Dev Tools.</a:t>
+            </a:r>
+          </a:p>
+          <a:p>
+            <a:pPr marL="457200" indent="-456480">
+              <a:lnSpc>
+                <a:spcPct val="150000"/>
+              </a:lnSpc>
+              <a:buClr>
+                <a:srgbClr val="FFFFFF"/>
+              </a:buClr>
+              <a:buFont typeface="Wingdings" charset="2"/>
+              <a:buChar char=""/>
+            </a:pPr>
+            <a:endParaRPr lang="en-US" sz="2400" spc="-1" dirty="0">
+              <a:solidFill>
+                <a:srgbClr val="FFFFFF"/>
+              </a:solidFill>
+              <a:uFill>
+                <a:solidFill>
+                  <a:srgbClr val="FFFFFF"/>
+                </a:solidFill>
+              </a:uFill>
+              <a:latin typeface="Lato"/>
+            </a:endParaRPr>
+          </a:p>
+          <a:p>
+            <a:pPr marL="457200" indent="-456480">
+              <a:lnSpc>
+                <a:spcPct val="150000"/>
+              </a:lnSpc>
+              <a:buClr>
+                <a:srgbClr val="FFFFFF"/>
+              </a:buClr>
+              <a:buFont typeface="Wingdings" charset="2"/>
+              <a:buChar char=""/>
+            </a:pPr>
+            <a:endParaRPr lang="en-US" sz="1800" b="0" strike="noStrike" spc="-1" dirty="0">
               <a:solidFill>
                 <a:srgbClr val="000000"/>
               </a:solidFill>
@@ -4648,21 +5136,20 @@
               </a:lnSpc>
             </a:pPr>
             <a:r>
-              <a:rPr lang="en-US" sz="3600" b="0" strike="noStrike" spc="-1">
-                <a:solidFill>
-                  <a:srgbClr val="FFFFFF"/>
-                </a:solidFill>
-                <a:uFill>
-                  <a:solidFill>
-                    <a:srgbClr val="FFFFFF"/>
-                  </a:solidFill>
-                </a:uFill>
-                <a:latin typeface="Lato"/>
-                <a:ea typeface="DejaVu Sans"/>
-              </a:rPr>
-              <a:t>CSS COLOR &amp; BACKGROUND</a:t>
-            </a:r>
-            <a:endParaRPr lang="en-US" sz="1800" b="0" strike="noStrike" spc="-1">
+              <a:rPr lang="en-US" sz="3600" b="0" strike="noStrike" spc="-1" dirty="0">
+                <a:solidFill>
+                  <a:srgbClr val="FFFFFF"/>
+                </a:solidFill>
+                <a:uFill>
+                  <a:solidFill>
+                    <a:srgbClr val="FFFFFF"/>
+                  </a:solidFill>
+                </a:uFill>
+                <a:latin typeface="Lato"/>
+              </a:rPr>
+              <a:t>EXERCISE 1</a:t>
+            </a:r>
+            <a:endParaRPr lang="en-US" sz="1800" b="0" strike="noStrike" spc="-1" dirty="0">
               <a:solidFill>
                 <a:srgbClr val="000000"/>
               </a:solidFill>
@@ -4685,7 +5172,7 @@
         <p:spPr>
           <a:xfrm>
             <a:off x="0" y="1498680"/>
-            <a:ext cx="12191400" cy="4498920"/>
+            <a:ext cx="12191400" cy="627873"/>
           </a:xfrm>
           <a:prstGeom prst="rect">
             <a:avLst/>
@@ -4711,108 +5198,79 @@
           <a:bodyPr lIns="90000" tIns="45000" rIns="90000" bIns="45000"/>
           <a:lstStyle/>
           <a:p>
-            <a:pPr marL="457200" indent="-456480">
+            <a:pPr marL="457920" indent="-457200">
               <a:lnSpc>
                 <a:spcPct val="150000"/>
               </a:lnSpc>
               <a:buClr>
                 <a:srgbClr val="FFFFFF"/>
               </a:buClr>
-              <a:buFont typeface="Wingdings" charset="2"/>
-              <a:buChar char=""/>
+              <a:buFont typeface="+mj-lt"/>
+              <a:buAutoNum type="arabicPeriod"/>
             </a:pPr>
             <a:r>
-              <a:rPr lang="en-US" sz="2400" b="0" strike="noStrike" spc="-1">
-                <a:solidFill>
-                  <a:srgbClr val="FFFFFF"/>
-                </a:solidFill>
-                <a:uFill>
-                  <a:solidFill>
-                    <a:srgbClr val="FFFFFF"/>
-                  </a:solidFill>
-                </a:uFill>
-                <a:latin typeface="Lato"/>
-                <a:ea typeface="DejaVu Sans"/>
-              </a:rPr>
-              <a:t>Colors are specified using predefined color names, or RGB, HEX, HSL, RGBA, HSLA values.</a:t>
-            </a:r>
-            <a:endParaRPr lang="en-US" sz="1800" b="0" strike="noStrike" spc="-1">
-              <a:solidFill>
-                <a:srgbClr val="000000"/>
-              </a:solidFill>
-              <a:uFill>
-                <a:solidFill>
-                  <a:srgbClr val="FFFFFF"/>
-                </a:solidFill>
-              </a:uFill>
-              <a:latin typeface="Arial"/>
-            </a:endParaRPr>
-          </a:p>
-          <a:p>
-            <a:pPr marL="457200" indent="-456480">
+              <a:rPr lang="en-US" sz="2400" b="0" strike="noStrike" spc="-1" dirty="0">
+                <a:solidFill>
+                  <a:srgbClr val="FFFFFF"/>
+                </a:solidFill>
+                <a:uFill>
+                  <a:solidFill>
+                    <a:srgbClr val="FFFFFF"/>
+                  </a:solidFill>
+                </a:uFill>
+                <a:latin typeface="Lato"/>
+              </a:rPr>
+              <a:t>Using inner HTML to change content of h1 element below to “Hello Aptech PHP”:</a:t>
+            </a:r>
+          </a:p>
+          <a:p>
+            <a:pPr marL="720">
               <a:lnSpc>
                 <a:spcPct val="150000"/>
               </a:lnSpc>
               <a:buClr>
                 <a:srgbClr val="FFFFFF"/>
               </a:buClr>
-              <a:buFont typeface="Wingdings" charset="2"/>
-              <a:buChar char=""/>
             </a:pPr>
             <a:r>
-              <a:rPr lang="en-US" sz="2400" b="0" strike="noStrike" spc="-1">
-                <a:solidFill>
-                  <a:srgbClr val="FFFFFF"/>
-                </a:solidFill>
-                <a:uFill>
-                  <a:solidFill>
-                    <a:srgbClr val="FFFFFF"/>
-                  </a:solidFill>
-                </a:uFill>
-                <a:latin typeface="Lato"/>
-                <a:ea typeface="DejaVu Sans"/>
-              </a:rPr>
-              <a:t>There are some colors property like : color, background-color.</a:t>
-            </a:r>
-            <a:endParaRPr lang="en-US" sz="1800" b="0" strike="noStrike" spc="-1">
-              <a:solidFill>
-                <a:srgbClr val="000000"/>
-              </a:solidFill>
-              <a:uFill>
-                <a:solidFill>
-                  <a:srgbClr val="FFFFFF"/>
-                </a:solidFill>
-              </a:uFill>
-              <a:latin typeface="Arial"/>
-            </a:endParaRPr>
-          </a:p>
-          <a:p>
-            <a:pPr marL="457200" indent="-456480">
+              <a:rPr lang="en-US" sz="2400" b="0" strike="noStrike" spc="-1" dirty="0">
+                <a:solidFill>
+                  <a:srgbClr val="FFFFFF"/>
+                </a:solidFill>
+                <a:uFill>
+                  <a:solidFill>
+                    <a:srgbClr val="FFFFFF"/>
+                  </a:solidFill>
+                </a:uFill>
+                <a:latin typeface="Lato"/>
+              </a:rPr>
+              <a:t>	</a:t>
+            </a:r>
+          </a:p>
+          <a:p>
+            <a:pPr marL="720">
               <a:lnSpc>
                 <a:spcPct val="150000"/>
               </a:lnSpc>
               <a:buClr>
                 <a:srgbClr val="FFFFFF"/>
               </a:buClr>
-              <a:buFont typeface="Wingdings" charset="2"/>
-              <a:buChar char=""/>
             </a:pPr>
             <a:r>
-              <a:rPr lang="en-US" sz="2400" b="0" strike="noStrike" spc="-1">
-                <a:solidFill>
-                  <a:srgbClr val="FFFFFF"/>
-                </a:solidFill>
-                <a:uFill>
-                  <a:solidFill>
-                    <a:srgbClr val="FFFFFF"/>
-                  </a:solidFill>
-                </a:uFill>
-                <a:latin typeface="Lato"/>
-                <a:ea typeface="DejaVu Sans"/>
-              </a:rPr>
-              <a:t>The CSS background properties are used to defined the background effects for elements : background-color, background-image, ...</a:t>
-            </a:r>
-            <a:endParaRPr lang="en-US" sz="1800" b="0" strike="noStrike" spc="-1">
+              <a:rPr lang="en-US" sz="2400" spc="-1" dirty="0">
+                <a:solidFill>
+                  <a:srgbClr val="FFFFFF"/>
+                </a:solidFill>
+                <a:uFill>
+                  <a:solidFill>
+                    <a:srgbClr val="FFFFFF"/>
+                  </a:solidFill>
+                </a:uFill>
+                <a:latin typeface="Lato"/>
+              </a:rPr>
+              <a:t>	</a:t>
+            </a:r>
+            <a:endParaRPr lang="en-US" sz="1800" b="0" strike="noStrike" spc="-1" dirty="0">
               <a:solidFill>
                 <a:srgbClr val="000000"/>
               </a:solidFill>
@@ -4862,48 +5320,195 @@
       </p:sp>
       <p:pic>
         <p:nvPicPr>
-          <p:cNvPr id="61" name="Picture 4"/>
-          <p:cNvPicPr/>
+          <p:cNvPr id="4" name="Picture 3">
+            <a:extLst>
+              <a:ext uri="{FF2B5EF4-FFF2-40B4-BE49-F238E27FC236}">
+                <a16:creationId xmlns:a16="http://schemas.microsoft.com/office/drawing/2014/main" id="{7ED0D11A-EAEE-4BDE-BD14-C44FC65FEAC7}"/>
+              </a:ext>
+            </a:extLst>
+          </p:cNvPr>
+          <p:cNvPicPr>
+            <a:picLocks noChangeAspect="1"/>
+          </p:cNvPicPr>
           <p:nvPr/>
         </p:nvPicPr>
         <p:blipFill>
-          <a:blip r:embed="rId2"/>
-          <a:stretch/>
+          <a:blip r:embed="rId2">
+            <a:extLst>
+              <a:ext uri="{28A0092B-C50C-407E-A947-70E740481C1C}">
+                <a14:useLocalDpi xmlns:a14="http://schemas.microsoft.com/office/drawing/2010/main" val="0"/>
+              </a:ext>
+            </a:extLst>
+          </a:blip>
+          <a:stretch>
+            <a:fillRect/>
+          </a:stretch>
         </p:blipFill>
         <p:spPr>
           <a:xfrm>
-            <a:off x="2126880" y="4702320"/>
-            <a:ext cx="3972240" cy="1037880"/>
-          </a:xfrm>
-          <a:prstGeom prst="rect">
-            <a:avLst/>
-          </a:prstGeom>
+            <a:off x="1111963" y="2146345"/>
+            <a:ext cx="9968074" cy="1690750"/>
+          </a:xfrm>
+          <a:prstGeom prst="rect">
+            <a:avLst/>
+          </a:prstGeom>
+        </p:spPr>
+      </p:pic>
+      <p:sp>
+        <p:nvSpPr>
+          <p:cNvPr id="9" name="CustomShape 3">
+            <a:extLst>
+              <a:ext uri="{FF2B5EF4-FFF2-40B4-BE49-F238E27FC236}">
+                <a16:creationId xmlns:a16="http://schemas.microsoft.com/office/drawing/2014/main" id="{66CBB2F4-CF96-47C9-A821-21CB35EF3B46}"/>
+              </a:ext>
+            </a:extLst>
+          </p:cNvPr>
+          <p:cNvSpPr/>
+          <p:nvPr/>
+        </p:nvSpPr>
+        <p:spPr>
+          <a:xfrm>
+            <a:off x="-1200" y="3813687"/>
+            <a:ext cx="12191400" cy="627873"/>
+          </a:xfrm>
+          <a:prstGeom prst="rect">
+            <a:avLst/>
+          </a:prstGeom>
+          <a:noFill/>
           <a:ln>
             <a:noFill/>
           </a:ln>
         </p:spPr>
-      </p:pic>
+        <p:style>
+          <a:lnRef idx="0">
+            <a:scrgbClr r="0" g="0" b="0"/>
+          </a:lnRef>
+          <a:fillRef idx="0">
+            <a:scrgbClr r="0" g="0" b="0"/>
+          </a:fillRef>
+          <a:effectRef idx="0">
+            <a:scrgbClr r="0" g="0" b="0"/>
+          </a:effectRef>
+          <a:fontRef idx="minor"/>
+        </p:style>
+        <p:txBody>
+          <a:bodyPr lIns="90000" tIns="45000" rIns="90000" bIns="45000"/>
+          <a:lstStyle/>
+          <a:p>
+            <a:pPr marL="457920" indent="-457200">
+              <a:lnSpc>
+                <a:spcPct val="150000"/>
+              </a:lnSpc>
+              <a:buClr>
+                <a:srgbClr val="FFFFFF"/>
+              </a:buClr>
+              <a:buFont typeface="+mj-lt"/>
+              <a:buAutoNum type="arabicPeriod" startAt="2"/>
+            </a:pPr>
+            <a:r>
+              <a:rPr lang="en-US" sz="2400" b="0" strike="noStrike" spc="-1" dirty="0">
+                <a:solidFill>
+                  <a:srgbClr val="FFFFFF"/>
+                </a:solidFill>
+                <a:uFill>
+                  <a:solidFill>
+                    <a:srgbClr val="FFFFFF"/>
+                  </a:solidFill>
+                </a:uFill>
+                <a:latin typeface="Lato"/>
+              </a:rPr>
+              <a:t>Using </a:t>
+            </a:r>
+            <a:r>
+              <a:rPr lang="en-US" sz="2400" spc="-1" dirty="0" err="1">
+                <a:solidFill>
+                  <a:srgbClr val="FFFFFF"/>
+                </a:solidFill>
+                <a:uFill>
+                  <a:solidFill>
+                    <a:srgbClr val="FFFFFF"/>
+                  </a:solidFill>
+                </a:uFill>
+                <a:latin typeface="Lato"/>
+              </a:rPr>
+              <a:t>window.</a:t>
+            </a:r>
+            <a:r>
+              <a:rPr lang="en-US" sz="2400" b="0" strike="noStrike" spc="-1" dirty="0" err="1">
+                <a:solidFill>
+                  <a:srgbClr val="FFFFFF"/>
+                </a:solidFill>
+                <a:uFill>
+                  <a:solidFill>
+                    <a:srgbClr val="FFFFFF"/>
+                  </a:solidFill>
+                </a:uFill>
+                <a:latin typeface="Lato"/>
+              </a:rPr>
+              <a:t>alert</a:t>
+            </a:r>
+            <a:r>
+              <a:rPr lang="en-US" sz="2400" b="0" strike="noStrike" spc="-1" dirty="0">
+                <a:solidFill>
+                  <a:srgbClr val="FFFFFF"/>
+                </a:solidFill>
+                <a:uFill>
+                  <a:solidFill>
+                    <a:srgbClr val="FFFFFF"/>
+                  </a:solidFill>
+                </a:uFill>
+                <a:latin typeface="Lato"/>
+              </a:rPr>
+              <a:t> and console.log to display your name :</a:t>
+            </a:r>
+            <a:endParaRPr lang="en-US" sz="1800" b="0" strike="noStrike" spc="-1" dirty="0">
+              <a:solidFill>
+                <a:srgbClr val="000000"/>
+              </a:solidFill>
+              <a:uFill>
+                <a:solidFill>
+                  <a:srgbClr val="FFFFFF"/>
+                </a:solidFill>
+              </a:uFill>
+              <a:latin typeface="Arial"/>
+            </a:endParaRPr>
+          </a:p>
+        </p:txBody>
+      </p:sp>
       <p:pic>
         <p:nvPicPr>
-          <p:cNvPr id="62" name="Picture 61"/>
-          <p:cNvPicPr/>
+          <p:cNvPr id="6" name="Picture 5">
+            <a:extLst>
+              <a:ext uri="{FF2B5EF4-FFF2-40B4-BE49-F238E27FC236}">
+                <a16:creationId xmlns:a16="http://schemas.microsoft.com/office/drawing/2014/main" id="{AFE7A600-2811-4D68-B722-175EEDE38140}"/>
+              </a:ext>
+            </a:extLst>
+          </p:cNvPr>
+          <p:cNvPicPr>
+            <a:picLocks noChangeAspect="1"/>
+          </p:cNvPicPr>
           <p:nvPr/>
         </p:nvPicPr>
         <p:blipFill>
-          <a:blip r:embed="rId3"/>
-          <a:stretch/>
+          <a:blip r:embed="rId3">
+            <a:extLst>
+              <a:ext uri="{28A0092B-C50C-407E-A947-70E740481C1C}">
+                <a14:useLocalDpi xmlns:a14="http://schemas.microsoft.com/office/drawing/2010/main" val="0"/>
+              </a:ext>
+            </a:extLst>
+          </a:blip>
+          <a:stretch>
+            <a:fillRect/>
+          </a:stretch>
         </p:blipFill>
         <p:spPr>
           <a:xfrm>
-            <a:off x="6333120" y="4693320"/>
-            <a:ext cx="4114800" cy="1014840"/>
-          </a:xfrm>
-          <a:prstGeom prst="rect">
-            <a:avLst/>
-          </a:prstGeom>
-          <a:ln>
-            <a:noFill/>
-          </a:ln>
+            <a:off x="4076810" y="4398055"/>
+            <a:ext cx="4035380" cy="1460566"/>
+          </a:xfrm>
+          <a:prstGeom prst="rect">
+            <a:avLst/>
+          </a:prstGeom>
         </p:spPr>
       </p:pic>
     </p:spTree>
@@ -5035,7 +5640,7 @@
               </a:lnSpc>
             </a:pPr>
             <a:r>
-              <a:rPr lang="en-US" sz="3600" b="0" strike="noStrike" spc="-1">
+              <a:rPr lang="en-US" sz="3600" b="0" strike="noStrike" spc="-1" dirty="0">
                 <a:solidFill>
                   <a:srgbClr val="FFFFFF"/>
                 </a:solidFill>
@@ -5047,9 +5652,9 @@
                 <a:latin typeface="Lato"/>
                 <a:ea typeface="DejaVu Sans"/>
               </a:rPr>
-              <a:t>CSS BORDER, MARGIN &amp; PADDING</a:t>
-            </a:r>
-            <a:endParaRPr lang="en-US" sz="1800" b="0" strike="noStrike" spc="-1">
+              <a:t>JAVASCRIPT VARIABLES &amp; OPERATORS</a:t>
+            </a:r>
+            <a:endParaRPr lang="en-US" sz="1800" b="0" strike="noStrike" spc="-1" dirty="0">
               <a:solidFill>
                 <a:srgbClr val="000000"/>
               </a:solidFill>
@@ -5097,29 +5702,6 @@
           <a:fontRef idx="minor"/>
         </p:style>
       </p:sp>
-      <p:pic>
-        <p:nvPicPr>
-          <p:cNvPr id="67" name="Picture 66"/>
-          <p:cNvPicPr/>
-          <p:nvPr/>
-        </p:nvPicPr>
-        <p:blipFill>
-          <a:blip r:embed="rId2"/>
-          <a:stretch/>
-        </p:blipFill>
-        <p:spPr>
-          <a:xfrm>
-            <a:off x="9562388" y="3535850"/>
-            <a:ext cx="2438230" cy="2343838"/>
-          </a:xfrm>
-          <a:prstGeom prst="rect">
-            <a:avLst/>
-          </a:prstGeom>
-          <a:ln>
-            <a:noFill/>
-          </a:ln>
-        </p:spPr>
-      </p:pic>
       <p:sp>
         <p:nvSpPr>
           <p:cNvPr id="68" name="CustomShape 5"/>
@@ -5129,7 +5711,7 @@
         <p:spPr>
           <a:xfrm>
             <a:off x="5400" y="1522215"/>
-            <a:ext cx="12191400" cy="2212791"/>
+            <a:ext cx="8083378" cy="1644189"/>
           </a:xfrm>
           <a:prstGeom prst="rect">
             <a:avLst/>
@@ -5178,80 +5760,7 @@
                 <a:latin typeface="Lato"/>
                 <a:ea typeface="DejaVu Sans"/>
               </a:rPr>
-              <a:t>The </a:t>
-            </a:r>
-            <a:r>
-              <a:rPr lang="en-US" sz="2400" b="1" spc="-1" dirty="0">
-                <a:solidFill>
-                  <a:srgbClr val="FFFF00"/>
-                </a:solidFill>
-                <a:uFill>
-                  <a:solidFill>
-                    <a:srgbClr val="FFFFFF"/>
-                  </a:solidFill>
-                </a:uFill>
-                <a:latin typeface="Lato"/>
-              </a:rPr>
-              <a:t>CSS border</a:t>
-            </a:r>
-            <a:r>
-              <a:rPr lang="en-US" sz="2400" b="0" strike="noStrike" spc="-1" dirty="0">
-                <a:solidFill>
-                  <a:srgbClr val="FFFFFF"/>
-                </a:solidFill>
-                <a:uFill>
-                  <a:solidFill>
-                    <a:srgbClr val="FFFFFF"/>
-                  </a:solidFill>
-                </a:uFill>
-                <a:latin typeface="Lato"/>
-                <a:ea typeface="DejaVu Sans"/>
-              </a:rPr>
-              <a:t> properties allow you to specify the </a:t>
-            </a:r>
-            <a:r>
-              <a:rPr lang="en-US" sz="2400" b="1" strike="noStrike" spc="-1" dirty="0">
-                <a:solidFill>
-                  <a:srgbClr val="FFFF00"/>
-                </a:solidFill>
-                <a:uFill>
-                  <a:solidFill>
-                    <a:srgbClr val="FFFFFF"/>
-                  </a:solidFill>
-                </a:uFill>
-                <a:latin typeface="Lato"/>
-                <a:ea typeface="DejaVu Sans"/>
-              </a:rPr>
-              <a:t>style, width and color</a:t>
-            </a:r>
-            <a:r>
-              <a:rPr lang="en-US" sz="2400" b="0" strike="noStrike" spc="-1" dirty="0">
-                <a:solidFill>
-                  <a:srgbClr val="FFFFFF"/>
-                </a:solidFill>
-                <a:uFill>
-                  <a:solidFill>
-                    <a:srgbClr val="FFFFFF"/>
-                  </a:solidFill>
-                </a:uFill>
-                <a:latin typeface="Lato"/>
-                <a:ea typeface="DejaVu Sans"/>
-              </a:rPr>
-              <a:t> of element’s border.</a:t>
-            </a:r>
-            <a:r>
-              <a:rPr lang="en-US" b="1" spc="-1" dirty="0">
-                <a:solidFill>
-                  <a:srgbClr val="FFFF00"/>
-                </a:solidFill>
-                <a:uFill>
-                  <a:solidFill>
-                    <a:srgbClr val="FFFFFF"/>
-                  </a:solidFill>
-                </a:uFill>
-                <a:latin typeface="Lato"/>
-              </a:rPr>
-              <a:t> </a:t>
+              <a:t>Variables are containers for storing data values.</a:t>
             </a:r>
           </a:p>
           <a:p>
@@ -5266,6 +5775,21 @@
               <a:buChar char=""/>
             </a:pPr>
             <a:r>
+              <a:rPr lang="en-US" sz="2400" spc="-1" dirty="0">
+                <a:solidFill>
+                  <a:srgbClr val="FFFFFF"/>
+                </a:solidFill>
+                <a:uFill>
+                  <a:solidFill>
+                    <a:srgbClr val="FFFFFF"/>
+                  </a:solidFill>
+                </a:uFill>
+                <a:latin typeface="Lato"/>
+                <a:ea typeface="DejaVu Sans"/>
+              </a:rPr>
+              <a:t>U</a:t>
+            </a:r>
+            <a:r>
               <a:rPr lang="en-US" sz="2400" b="0" strike="noStrike" spc="-1" dirty="0">
                 <a:solidFill>
                   <a:srgbClr val="FFFFFF"/>
@@ -5278,12 +5802,12 @@
                 <a:latin typeface="Lato"/>
                 <a:ea typeface="DejaVu Sans"/>
               </a:rPr>
-              <a:t>The</a:t>
-            </a:r>
-            <a:r>
-              <a:rPr lang="en-US" sz="2400" b="1" strike="noStrike" spc="-1" dirty="0">
-                <a:solidFill>
-                  <a:srgbClr val="FFFF00"/>
+              <a:t>sing var keyword to declare variables, then assign value to that variable or just declare it </a:t>
+            </a:r>
+            <a:r>
+              <a:rPr lang="en-US" sz="2400" spc="-1" dirty="0">
+                <a:solidFill>
+                  <a:srgbClr val="FFFFFF"/>
                 </a:solidFill>
                 <a:uFill>
                   <a:solidFill>
@@ -5293,7 +5817,7 @@
                 <a:latin typeface="Lato"/>
                 <a:ea typeface="DejaVu Sans"/>
               </a:rPr>
-              <a:t> CSS margin</a:t>
+              <a:t>with none value</a:t>
             </a:r>
             <a:r>
               <a:rPr lang="en-US" sz="2400" b="0" strike="noStrike" spc="-1" dirty="0">
@@ -5308,28 +5832,65 @@
                 <a:latin typeface="Lato"/>
                 <a:ea typeface="DejaVu Sans"/>
               </a:rPr>
-              <a:t> properties are used to create space around elements, outside of any defined borders.</a:t>
-            </a:r>
-            <a:endParaRPr lang="en-US" sz="1800" b="0" strike="noStrike" spc="-1" dirty="0">
+              <a:t>.</a:t>
+            </a:r>
+            <a:endParaRPr lang="en-US" sz="2400" spc="-1" dirty="0">
               <a:solidFill>
-                <a:srgbClr val="000000"/>
+                <a:srgbClr val="FFFFFF"/>
               </a:solidFill>
               <a:uFill>
                 <a:solidFill>
                   <a:srgbClr val="FFFFFF"/>
                 </a:solidFill>
               </a:uFill>
-              <a:latin typeface="Arial"/>
+              <a:latin typeface="Lato"/>
+              <a:ea typeface="DejaVu Sans"/>
             </a:endParaRPr>
           </a:p>
         </p:txBody>
       </p:sp>
-      <p:sp>
-        <p:nvSpPr>
-          <p:cNvPr id="8" name="CustomShape 5">
+      <p:pic>
+        <p:nvPicPr>
+          <p:cNvPr id="3" name="Picture 2">
             <a:extLst>
               <a:ext uri="{FF2B5EF4-FFF2-40B4-BE49-F238E27FC236}">
-                <a16:creationId xmlns:a16="http://schemas.microsoft.com/office/drawing/2014/main" id="{05FB1964-9F7A-419B-9C75-39E053BE399E}"/>
+                <a16:creationId xmlns:a16="http://schemas.microsoft.com/office/drawing/2014/main" id="{D55E2D3A-1017-4DF5-96EB-F077C867D538}"/>
+              </a:ext>
+            </a:extLst>
+          </p:cNvPr>
+          <p:cNvPicPr>
+            <a:picLocks noChangeAspect="1"/>
+          </p:cNvPicPr>
+          <p:nvPr/>
+        </p:nvPicPr>
+        <p:blipFill>
+          <a:blip r:embed="rId2">
+            <a:extLst>
+              <a:ext uri="{28A0092B-C50C-407E-A947-70E740481C1C}">
+                <a14:useLocalDpi xmlns:a14="http://schemas.microsoft.com/office/drawing/2010/main" val="0"/>
+              </a:ext>
+            </a:extLst>
+          </a:blip>
+          <a:stretch>
+            <a:fillRect/>
+          </a:stretch>
+        </p:blipFill>
+        <p:spPr>
+          <a:xfrm>
+            <a:off x="8088778" y="1794661"/>
+            <a:ext cx="3947230" cy="1083082"/>
+          </a:xfrm>
+          <a:prstGeom prst="rect">
+            <a:avLst/>
+          </a:prstGeom>
+        </p:spPr>
+      </p:pic>
+      <p:sp>
+        <p:nvSpPr>
+          <p:cNvPr id="11" name="CustomShape 5">
+            <a:extLst>
+              <a:ext uri="{FF2B5EF4-FFF2-40B4-BE49-F238E27FC236}">
+                <a16:creationId xmlns:a16="http://schemas.microsoft.com/office/drawing/2014/main" id="{1ACE4174-0615-49CB-91BF-BFCC871BCCDC}"/>
               </a:ext>
             </a:extLst>
           </p:cNvPr>
@@ -5338,8 +5899,8 @@
         </p:nvSpPr>
         <p:spPr>
           <a:xfrm>
-            <a:off x="-1800" y="3678922"/>
-            <a:ext cx="4901538" cy="2212791"/>
+            <a:off x="0" y="3166164"/>
+            <a:ext cx="12186600" cy="1204053"/>
           </a:xfrm>
           <a:prstGeom prst="rect">
             <a:avLst/>
@@ -5386,69 +5947,19 @@
                   </a:solidFill>
                 </a:uFill>
                 <a:latin typeface="Lato"/>
-              </a:rPr>
-              <a:t>The </a:t>
-            </a:r>
-            <a:r>
-              <a:rPr lang="en-US" sz="2400" b="1" spc="-1" dirty="0">
-                <a:solidFill>
-                  <a:srgbClr val="FFFF00"/>
-                </a:solidFill>
-                <a:uFill>
-                  <a:solidFill>
-                    <a:srgbClr val="FFFFFF"/>
-                  </a:solidFill>
-                </a:uFill>
-                <a:latin typeface="Lato"/>
-              </a:rPr>
-              <a:t>CSS paddin</a:t>
-            </a:r>
-            <a:r>
-              <a:rPr lang="en-US" sz="2400" spc="-1" dirty="0">
-                <a:solidFill>
-                  <a:srgbClr val="FFFFFF"/>
-                </a:solidFill>
-                <a:uFill>
-                  <a:solidFill>
-                    <a:srgbClr val="FFFFFF"/>
-                  </a:solidFill>
-                </a:uFill>
-                <a:latin typeface="Lato"/>
-              </a:rPr>
-              <a:t>g properties are used to generate space around an element’s content, inside of any defined borders.</a:t>
-            </a:r>
-          </a:p>
-          <a:p>
-            <a:pPr marL="457200" indent="-456480">
-              <a:lnSpc>
-                <a:spcPct val="150000"/>
-              </a:lnSpc>
-              <a:buClr>
-                <a:srgbClr val="FFFFFF"/>
-              </a:buClr>
-              <a:buFont typeface="Wingdings" charset="2"/>
-              <a:buChar char=""/>
-            </a:pPr>
-            <a:endParaRPr lang="en-US" sz="2400" spc="-1" dirty="0">
-              <a:solidFill>
-                <a:srgbClr val="FFFFFF"/>
-              </a:solidFill>
-              <a:uFill>
-                <a:solidFill>
-                  <a:srgbClr val="FFFFFF"/>
-                </a:solidFill>
-              </a:uFill>
-              <a:latin typeface="Lato"/>
-            </a:endParaRPr>
+                <a:ea typeface="DejaVu Sans"/>
+              </a:rPr>
+              <a:t>JavaScript Arithmetic Operators are used to perform arithmetic on numbers, using : addition (+), subtraction (-), multiplication (*), division (/), …</a:t>
+            </a:r>
           </a:p>
         </p:txBody>
       </p:sp>
       <p:pic>
         <p:nvPicPr>
-          <p:cNvPr id="4" name="Picture 3">
+          <p:cNvPr id="6" name="Picture 5">
             <a:extLst>
               <a:ext uri="{FF2B5EF4-FFF2-40B4-BE49-F238E27FC236}">
-                <a16:creationId xmlns:a16="http://schemas.microsoft.com/office/drawing/2014/main" id="{D90EE555-7010-4903-A1DE-773434D00551}"/>
+                <a16:creationId xmlns:a16="http://schemas.microsoft.com/office/drawing/2014/main" id="{A883F746-EA51-4434-A87D-E76DD80271FE}"/>
               </a:ext>
             </a:extLst>
           </p:cNvPr>
@@ -5471,14 +5982,135 @@
         </p:blipFill>
         <p:spPr>
           <a:xfrm>
-            <a:off x="5090520" y="3953022"/>
-            <a:ext cx="4415476" cy="1926666"/>
+            <a:off x="7410610" y="4372376"/>
+            <a:ext cx="4625398" cy="1487512"/>
           </a:xfrm>
           <a:prstGeom prst="rect">
             <a:avLst/>
           </a:prstGeom>
         </p:spPr>
       </p:pic>
+      <p:sp>
+        <p:nvSpPr>
+          <p:cNvPr id="14" name="CustomShape 5">
+            <a:extLst>
+              <a:ext uri="{FF2B5EF4-FFF2-40B4-BE49-F238E27FC236}">
+                <a16:creationId xmlns:a16="http://schemas.microsoft.com/office/drawing/2014/main" id="{5BB2652B-25C6-4D3B-9260-94A0DAB59D94}"/>
+              </a:ext>
+            </a:extLst>
+          </p:cNvPr>
+          <p:cNvSpPr/>
+          <p:nvPr/>
+        </p:nvSpPr>
+        <p:spPr>
+          <a:xfrm>
+            <a:off x="0" y="4242862"/>
+            <a:ext cx="7410610" cy="1762298"/>
+          </a:xfrm>
+          <a:prstGeom prst="rect">
+            <a:avLst/>
+          </a:prstGeom>
+          <a:noFill/>
+          <a:ln>
+            <a:noFill/>
+          </a:ln>
+        </p:spPr>
+        <p:style>
+          <a:lnRef idx="0">
+            <a:scrgbClr r="0" g="0" b="0"/>
+          </a:lnRef>
+          <a:fillRef idx="0">
+            <a:scrgbClr r="0" g="0" b="0"/>
+          </a:fillRef>
+          <a:effectRef idx="0">
+            <a:scrgbClr r="0" g="0" b="0"/>
+          </a:effectRef>
+          <a:fontRef idx="minor"/>
+        </p:style>
+        <p:txBody>
+          <a:bodyPr lIns="90000" tIns="45000" rIns="90000" bIns="45000"/>
+          <a:lstStyle/>
+          <a:p>
+            <a:pPr marL="457200" indent="-456480">
+              <a:lnSpc>
+                <a:spcPct val="150000"/>
+              </a:lnSpc>
+              <a:buClr>
+                <a:srgbClr val="FFFFFF"/>
+              </a:buClr>
+              <a:buFont typeface="Wingdings" charset="2"/>
+              <a:buChar char=""/>
+            </a:pPr>
+            <a:r>
+              <a:rPr lang="en-US" sz="2400" spc="-1" dirty="0">
+                <a:solidFill>
+                  <a:srgbClr val="FFFFFF"/>
+                </a:solidFill>
+                <a:uFill>
+                  <a:solidFill>
+                    <a:srgbClr val="FFFFFF"/>
+                  </a:solidFill>
+                </a:uFill>
+                <a:latin typeface="Lato"/>
+              </a:rPr>
+              <a:t>JavaScript </a:t>
+            </a:r>
+            <a:r>
+              <a:rPr lang="vi-VN" sz="2400" spc="-1" dirty="0">
+                <a:solidFill>
+                  <a:srgbClr val="FFFFFF"/>
+                </a:solidFill>
+                <a:uFill>
+                  <a:solidFill>
+                    <a:srgbClr val="FFFFFF"/>
+                  </a:solidFill>
+                </a:uFill>
+                <a:latin typeface="Lato"/>
+              </a:rPr>
+              <a:t>String Operators use </a:t>
+            </a:r>
+            <a:r>
+              <a:rPr lang="en-US" sz="2400" spc="-1" dirty="0">
+                <a:solidFill>
+                  <a:srgbClr val="FFFFFF"/>
+                </a:solidFill>
+                <a:uFill>
+                  <a:solidFill>
+                    <a:srgbClr val="FFFFFF"/>
+                  </a:solidFill>
+                </a:uFill>
+                <a:latin typeface="Lato"/>
+              </a:rPr>
+              <a:t>+ operator to add (concatenate) strings</a:t>
+            </a:r>
+            <a:r>
+              <a:rPr lang="vi-VN" sz="2400" spc="-1" dirty="0">
+                <a:solidFill>
+                  <a:srgbClr val="FFFFFF"/>
+                </a:solidFill>
+                <a:uFill>
+                  <a:solidFill>
+                    <a:srgbClr val="FFFFFF"/>
+                  </a:solidFill>
+                </a:uFill>
+                <a:latin typeface="Lato"/>
+              </a:rPr>
+              <a:t>.</a:t>
+            </a:r>
+            <a:endParaRPr lang="en-US" sz="2400" spc="-1" dirty="0">
+              <a:solidFill>
+                <a:srgbClr val="FFFFFF"/>
+              </a:solidFill>
+              <a:uFill>
+                <a:solidFill>
+                  <a:srgbClr val="FFFFFF"/>
+                </a:solidFill>
+              </a:uFill>
+              <a:latin typeface="Lato"/>
+            </a:endParaRPr>
+          </a:p>
+        </p:txBody>
+      </p:sp>
     </p:spTree>
   </p:cSld>
   <p:clrMapOvr>
@@ -5608,19 +6240,18 @@
               </a:lnSpc>
             </a:pPr>
             <a:r>
-              <a:rPr lang="en-US" sz="3600" b="0" strike="noStrike" spc="-1" dirty="0">
-                <a:solidFill>
-                  <a:srgbClr val="FFFFFF"/>
-                </a:solidFill>
-                <a:uFill>
-                  <a:solidFill>
-                    <a:srgbClr val="FFFFFF"/>
-                  </a:solidFill>
-                </a:uFill>
-                <a:latin typeface="Lato"/>
-                <a:ea typeface="DejaVu Sans"/>
-              </a:rPr>
-              <a:t>CSS TEXT</a:t>
+              <a:rPr lang="en-US" sz="3600" spc="-1" dirty="0">
+                <a:solidFill>
+                  <a:srgbClr val="FFFFFF"/>
+                </a:solidFill>
+                <a:uFill>
+                  <a:solidFill>
+                    <a:srgbClr val="FFFFFF"/>
+                  </a:solidFill>
+                </a:uFill>
+                <a:latin typeface="Lato"/>
+              </a:rPr>
+              <a:t>JAVASCRIPT FUNCTIONS</a:t>
             </a:r>
             <a:endParaRPr lang="en-US" sz="1800" b="0" strike="noStrike" spc="-1" dirty="0">
               <a:solidFill>
@@ -5738,7 +6369,7 @@
         <p:spPr>
           <a:xfrm>
             <a:off x="0" y="1498680"/>
-            <a:ext cx="12191400" cy="4498200"/>
+            <a:ext cx="12191400" cy="1248334"/>
           </a:xfrm>
           <a:prstGeom prst="rect">
             <a:avLst/>
@@ -5787,67 +6418,7 @@
                 <a:latin typeface="Lato"/>
                 <a:ea typeface="DejaVu Sans"/>
               </a:rPr>
-              <a:t>The </a:t>
-            </a:r>
-            <a:r>
-              <a:rPr lang="en-US" sz="2400" b="1" strike="noStrike" spc="-1" dirty="0">
-                <a:solidFill>
-                  <a:srgbClr val="FFFF00"/>
-                </a:solidFill>
-                <a:uFill>
-                  <a:solidFill>
-                    <a:srgbClr val="FFFFFF"/>
-                  </a:solidFill>
-                </a:uFill>
-                <a:latin typeface="Lato"/>
-                <a:ea typeface="DejaVu Sans"/>
-              </a:rPr>
-              <a:t>color </a:t>
-            </a:r>
-            <a:r>
-              <a:rPr lang="en-US" sz="2400" strike="noStrike" spc="-1" dirty="0">
-                <a:solidFill>
-                  <a:schemeClr val="bg1"/>
-                </a:solidFill>
-                <a:uFill>
-                  <a:solidFill>
-                    <a:srgbClr val="FFFFFF"/>
-                  </a:solidFill>
-                </a:uFill>
-                <a:latin typeface="Lato"/>
-                <a:ea typeface="DejaVu Sans"/>
-              </a:rPr>
-              <a:t>property</a:t>
-            </a:r>
-            <a:r>
-              <a:rPr lang="en-US" sz="2400" b="1" strike="noStrike" spc="-1" dirty="0">
-                <a:solidFill>
-                  <a:srgbClr val="FFFF00"/>
-                </a:solidFill>
-                <a:uFill>
-                  <a:solidFill>
-                    <a:srgbClr val="FFFFFF"/>
-                  </a:solidFill>
-                </a:uFill>
-                <a:latin typeface="Lato"/>
-                <a:ea typeface="DejaVu Sans"/>
-              </a:rPr>
-              <a:t> </a:t>
-            </a:r>
-            <a:r>
-              <a:rPr lang="en-US" sz="2400" b="0" strike="noStrike" spc="-1" dirty="0">
-                <a:solidFill>
-                  <a:srgbClr val="FFFFFF"/>
-                </a:solidFill>
-                <a:uFill>
-                  <a:solidFill>
-                    <a:srgbClr val="FFFFFF"/>
-                  </a:solidFill>
-                </a:uFill>
-                <a:latin typeface="Lato"/>
-                <a:ea typeface="DejaVu Sans"/>
-              </a:rPr>
-              <a:t>is used to set  the color of text.</a:t>
+              <a:t>A JavaScript function is a block of code designed to perform a particular task.</a:t>
             </a:r>
           </a:p>
           <a:p>
@@ -5873,107 +6444,51 @@
                 </a:uFill>
                 <a:latin typeface="Lato"/>
               </a:rPr>
-              <a:t>The </a:t>
-            </a:r>
-            <a:r>
-              <a:rPr lang="en-US" sz="2400" b="1" spc="-1" dirty="0">
-                <a:solidFill>
-                  <a:srgbClr val="FFFF00"/>
-                </a:solidFill>
-                <a:uFill>
-                  <a:solidFill>
-                    <a:srgbClr val="FFFFFF"/>
-                  </a:solidFill>
-                </a:uFill>
-                <a:latin typeface="Lato"/>
-              </a:rPr>
-              <a:t>text-align </a:t>
-            </a:r>
-            <a:r>
-              <a:rPr lang="en-US" sz="2400" spc="-1" dirty="0">
-                <a:solidFill>
-                  <a:schemeClr val="bg1"/>
-                </a:solidFill>
-                <a:uFill>
-                  <a:solidFill>
-                    <a:srgbClr val="FFFFFF"/>
-                  </a:solidFill>
-                </a:uFill>
-                <a:latin typeface="Lato"/>
-              </a:rPr>
-              <a:t>property</a:t>
-            </a:r>
-            <a:r>
-              <a:rPr lang="en-US" sz="2400" spc="-1" dirty="0">
-                <a:solidFill>
-                  <a:srgbClr val="FFFFFF"/>
-                </a:solidFill>
-                <a:uFill>
-                  <a:solidFill>
-                    <a:srgbClr val="FFFFFF"/>
-                  </a:solidFill>
-                </a:uFill>
-                <a:latin typeface="Lato"/>
-              </a:rPr>
-              <a:t> is used to set horizontal alignment of a text : </a:t>
-            </a:r>
-            <a:r>
-              <a:rPr lang="en-US" sz="2400" b="1" spc="-1" dirty="0">
-                <a:solidFill>
-                  <a:srgbClr val="FFFF00"/>
-                </a:solidFill>
-                <a:uFill>
-                  <a:solidFill>
-                    <a:srgbClr val="FFFFFF"/>
-                  </a:solidFill>
-                </a:uFill>
-                <a:latin typeface="Lato"/>
-              </a:rPr>
-              <a:t>center, left, right </a:t>
-            </a:r>
-            <a:r>
-              <a:rPr lang="en-US" sz="2400" spc="-1" dirty="0">
-                <a:solidFill>
-                  <a:schemeClr val="bg1"/>
-                </a:solidFill>
-                <a:uFill>
-                  <a:solidFill>
-                    <a:srgbClr val="FFFFFF"/>
-                  </a:solidFill>
-                </a:uFill>
-                <a:latin typeface="Lato"/>
-              </a:rPr>
-              <a:t>or</a:t>
-            </a:r>
-            <a:r>
-              <a:rPr lang="en-US" sz="2400" b="1" spc="-1" dirty="0">
-                <a:solidFill>
-                  <a:srgbClr val="FFFF00"/>
-                </a:solidFill>
-                <a:uFill>
-                  <a:solidFill>
-                    <a:srgbClr val="FFFFFF"/>
-                  </a:solidFill>
-                </a:uFill>
-                <a:latin typeface="Lato"/>
-              </a:rPr>
-              <a:t> justified</a:t>
-            </a:r>
-            <a:r>
-              <a:rPr lang="en-US" sz="2400" spc="-1" dirty="0">
-                <a:solidFill>
-                  <a:srgbClr val="FFFFFF"/>
-                </a:solidFill>
-                <a:uFill>
-                  <a:solidFill>
-                    <a:srgbClr val="FFFFFF"/>
-                  </a:solidFill>
-                </a:uFill>
-                <a:latin typeface="Lato"/>
-              </a:rPr>
-              <a:t>.</a:t>
-            </a:r>
-          </a:p>
+              <a:t>A JavaScript function is executed when “something” invokes it (calls it).</a:t>
+            </a:r>
+          </a:p>
+        </p:txBody>
+      </p:sp>
+      <p:sp>
+        <p:nvSpPr>
+          <p:cNvPr id="9" name="CustomShape 5">
+            <a:extLst>
+              <a:ext uri="{FF2B5EF4-FFF2-40B4-BE49-F238E27FC236}">
+                <a16:creationId xmlns:a16="http://schemas.microsoft.com/office/drawing/2014/main" id="{DC26DA72-93ED-447C-ACAD-38EB6418B4FC}"/>
+              </a:ext>
+            </a:extLst>
+          </p:cNvPr>
+          <p:cNvSpPr/>
+          <p:nvPr/>
+        </p:nvSpPr>
+        <p:spPr>
+          <a:xfrm>
+            <a:off x="600" y="4860805"/>
+            <a:ext cx="12191400" cy="1248334"/>
+          </a:xfrm>
+          <a:prstGeom prst="rect">
+            <a:avLst/>
+          </a:prstGeom>
+          <a:noFill/>
+          <a:ln>
+            <a:noFill/>
+          </a:ln>
+        </p:spPr>
+        <p:style>
+          <a:lnRef idx="0">
+            <a:scrgbClr r="0" g="0" b="0"/>
+          </a:lnRef>
+          <a:fillRef idx="0">
+            <a:scrgbClr r="0" g="0" b="0"/>
+          </a:fillRef>
+          <a:effectRef idx="0">
+            <a:scrgbClr r="0" g="0" b="0"/>
+          </a:effectRef>
+          <a:fontRef idx="minor"/>
+        </p:style>
+        <p:txBody>
+          <a:bodyPr lIns="90000" tIns="45000" rIns="90000" bIns="45000"/>
+          <a:lstStyle/>
           <a:p>
             <a:pPr marL="457200" indent="-456480">
               <a:lnSpc>
@@ -5986,298 +6501,70 @@
               <a:buChar char=""/>
             </a:pPr>
             <a:r>
-              <a:rPr lang="en-US" sz="2400" spc="-1" dirty="0">
-                <a:solidFill>
-                  <a:srgbClr val="FFFFFF"/>
-                </a:solidFill>
-                <a:uFill>
-                  <a:solidFill>
-                    <a:srgbClr val="FFFFFF"/>
-                  </a:solidFill>
-                </a:uFill>
-                <a:latin typeface="Lato"/>
-              </a:rPr>
-              <a:t>The </a:t>
-            </a:r>
-            <a:r>
-              <a:rPr lang="en-US" sz="2400" b="1" spc="-1" dirty="0">
-                <a:solidFill>
-                  <a:srgbClr val="FFFF00"/>
-                </a:solidFill>
-                <a:uFill>
-                  <a:solidFill>
-                    <a:srgbClr val="FFFFFF"/>
-                  </a:solidFill>
-                </a:uFill>
-                <a:latin typeface="Lato"/>
-              </a:rPr>
-              <a:t>text-decoration</a:t>
-            </a:r>
-            <a:r>
-              <a:rPr lang="en-US" sz="2400" spc="-1" dirty="0">
-                <a:solidFill>
-                  <a:srgbClr val="FFFFFF"/>
-                </a:solidFill>
-                <a:uFill>
-                  <a:solidFill>
-                    <a:srgbClr val="FFFFFF"/>
-                  </a:solidFill>
-                </a:uFill>
-                <a:latin typeface="Lato"/>
-              </a:rPr>
-              <a:t> property is used to </a:t>
-            </a:r>
-            <a:r>
-              <a:rPr lang="en-US" sz="2400" b="1" spc="-1" dirty="0">
-                <a:solidFill>
-                  <a:srgbClr val="FFFF00"/>
-                </a:solidFill>
-                <a:uFill>
-                  <a:solidFill>
-                    <a:srgbClr val="FFFFFF"/>
-                  </a:solidFill>
-                </a:uFill>
-                <a:latin typeface="Lato"/>
-              </a:rPr>
-              <a:t>set </a:t>
-            </a:r>
-            <a:r>
-              <a:rPr lang="en-US" sz="2400" spc="-1" dirty="0">
-                <a:solidFill>
-                  <a:schemeClr val="bg1"/>
-                </a:solidFill>
-                <a:uFill>
-                  <a:solidFill>
-                    <a:srgbClr val="FFFFFF"/>
-                  </a:solidFill>
-                </a:uFill>
-                <a:latin typeface="Lato"/>
-              </a:rPr>
-              <a:t>or</a:t>
-            </a:r>
-            <a:r>
-              <a:rPr lang="en-US" sz="2400" b="1" spc="-1" dirty="0">
-                <a:solidFill>
-                  <a:srgbClr val="FFFF00"/>
-                </a:solidFill>
-                <a:uFill>
-                  <a:solidFill>
-                    <a:srgbClr val="FFFFFF"/>
-                  </a:solidFill>
-                </a:uFill>
-                <a:latin typeface="Lato"/>
-              </a:rPr>
-              <a:t> remove decorations</a:t>
-            </a:r>
-            <a:r>
-              <a:rPr lang="en-US" sz="2400" spc="-1" dirty="0">
-                <a:solidFill>
-                  <a:srgbClr val="FFFFFF"/>
-                </a:solidFill>
-                <a:uFill>
-                  <a:solidFill>
-                    <a:srgbClr val="FFFFFF"/>
-                  </a:solidFill>
-                </a:uFill>
-                <a:latin typeface="Lato"/>
-              </a:rPr>
-              <a:t> from text.</a:t>
-            </a:r>
-          </a:p>
-          <a:p>
-            <a:pPr marL="457200" indent="-456480">
-              <a:lnSpc>
-                <a:spcPct val="150000"/>
-              </a:lnSpc>
-              <a:buClr>
+              <a:rPr lang="en-US" sz="2400" b="0" strike="noStrike" spc="-1" dirty="0">
+                <a:solidFill>
+                  <a:srgbClr val="FFFFFF"/>
+                </a:solidFill>
+                <a:uFill>
+                  <a:solidFill>
+                    <a:srgbClr val="FFFFFF"/>
+                  </a:solidFill>
+                </a:uFill>
+                <a:latin typeface="Lato"/>
+                <a:ea typeface="DejaVu Sans"/>
+              </a:rPr>
+              <a:t>Function will execute when an event occurs (user clicks a button), invoked (call) from JavaScript code or automatically.</a:t>
+            </a:r>
+            <a:endParaRPr lang="en-US" sz="2400" spc="-1" dirty="0">
+              <a:solidFill>
                 <a:srgbClr val="FFFFFF"/>
-              </a:buClr>
-              <a:buFont typeface="Wingdings" charset="2"/>
-              <a:buChar char=""/>
-            </a:pPr>
-            <a:r>
-              <a:rPr lang="en-US" sz="2400" spc="-1" dirty="0">
-                <a:solidFill>
-                  <a:srgbClr val="FFFFFF"/>
-                </a:solidFill>
-                <a:uFill>
-                  <a:solidFill>
-                    <a:srgbClr val="FFFFFF"/>
-                  </a:solidFill>
-                </a:uFill>
-                <a:latin typeface="Lato"/>
-              </a:rPr>
-              <a:t>The </a:t>
-            </a:r>
-            <a:r>
-              <a:rPr lang="en-US" sz="2400" b="1" spc="-1" dirty="0">
-                <a:solidFill>
-                  <a:srgbClr val="FFFF00"/>
-                </a:solidFill>
-                <a:uFill>
-                  <a:solidFill>
-                    <a:srgbClr val="FFFFFF"/>
-                  </a:solidFill>
-                </a:uFill>
-                <a:latin typeface="Lato"/>
-              </a:rPr>
-              <a:t>text-transform</a:t>
-            </a:r>
-            <a:r>
-              <a:rPr lang="en-US" sz="2400" spc="-1" dirty="0">
-                <a:solidFill>
-                  <a:srgbClr val="FFFFFF"/>
-                </a:solidFill>
-                <a:uFill>
-                  <a:solidFill>
-                    <a:srgbClr val="FFFFFF"/>
-                  </a:solidFill>
-                </a:uFill>
-                <a:latin typeface="Lato"/>
-              </a:rPr>
-              <a:t> property is used to specify </a:t>
-            </a:r>
-            <a:r>
-              <a:rPr lang="en-US" sz="2400" b="1" spc="-1" dirty="0">
-                <a:solidFill>
-                  <a:srgbClr val="FFFF00"/>
-                </a:solidFill>
-                <a:uFill>
-                  <a:solidFill>
-                    <a:srgbClr val="FFFFFF"/>
-                  </a:solidFill>
-                </a:uFill>
-                <a:latin typeface="Lato"/>
-              </a:rPr>
-              <a:t>uppercase </a:t>
-            </a:r>
-            <a:r>
-              <a:rPr lang="en-US" sz="2400" spc="-1" dirty="0">
-                <a:solidFill>
-                  <a:schemeClr val="bg1"/>
-                </a:solidFill>
-                <a:uFill>
-                  <a:solidFill>
-                    <a:srgbClr val="FFFFFF"/>
-                  </a:solidFill>
-                </a:uFill>
-                <a:latin typeface="Lato"/>
-              </a:rPr>
-              <a:t>or</a:t>
-            </a:r>
-            <a:r>
-              <a:rPr lang="en-US" sz="2400" b="1" spc="-1" dirty="0">
-                <a:solidFill>
-                  <a:srgbClr val="FFFF00"/>
-                </a:solidFill>
-                <a:uFill>
-                  <a:solidFill>
-                    <a:srgbClr val="FFFFFF"/>
-                  </a:solidFill>
-                </a:uFill>
-                <a:latin typeface="Lato"/>
-              </a:rPr>
-              <a:t> lowercase</a:t>
-            </a:r>
-            <a:r>
-              <a:rPr lang="en-US" sz="2400" spc="-1" dirty="0">
-                <a:solidFill>
-                  <a:srgbClr val="FFFFFF"/>
-                </a:solidFill>
-                <a:uFill>
-                  <a:solidFill>
-                    <a:srgbClr val="FFFFFF"/>
-                  </a:solidFill>
-                </a:uFill>
-                <a:latin typeface="Lato"/>
-              </a:rPr>
-              <a:t> letters in the text, or </a:t>
-            </a:r>
-            <a:r>
-              <a:rPr lang="en-US" sz="2400" b="1" spc="-1" dirty="0">
-                <a:solidFill>
-                  <a:srgbClr val="FFFF00"/>
-                </a:solidFill>
-                <a:uFill>
-                  <a:solidFill>
-                    <a:srgbClr val="FFFFFF"/>
-                  </a:solidFill>
-                </a:uFill>
-                <a:latin typeface="Lato"/>
-              </a:rPr>
-              <a:t>capitalize</a:t>
-            </a:r>
-            <a:r>
-              <a:rPr lang="en-US" sz="2400" spc="-1" dirty="0">
-                <a:solidFill>
-                  <a:srgbClr val="FFFFFF"/>
-                </a:solidFill>
-                <a:uFill>
-                  <a:solidFill>
-                    <a:srgbClr val="FFFFFF"/>
-                  </a:solidFill>
-                </a:uFill>
-                <a:latin typeface="Lato"/>
-              </a:rPr>
-              <a:t> the first of each word.</a:t>
-            </a:r>
-          </a:p>
-          <a:p>
-            <a:pPr marL="457200" indent="-456480">
-              <a:lnSpc>
-                <a:spcPct val="150000"/>
-              </a:lnSpc>
-              <a:buClr>
-                <a:srgbClr val="FFFFFF"/>
-              </a:buClr>
-              <a:buFont typeface="Wingdings" charset="2"/>
-              <a:buChar char=""/>
-            </a:pPr>
-            <a:r>
-              <a:rPr lang="en-US" sz="2400" spc="-1" dirty="0">
-                <a:solidFill>
-                  <a:srgbClr val="FFFFFF"/>
-                </a:solidFill>
-                <a:uFill>
-                  <a:solidFill>
-                    <a:srgbClr val="FFFFFF"/>
-                  </a:solidFill>
-                </a:uFill>
-                <a:latin typeface="Lato"/>
-              </a:rPr>
-              <a:t>The </a:t>
-            </a:r>
-            <a:r>
-              <a:rPr lang="en-US" sz="2400" b="1" spc="-1" dirty="0">
-                <a:solidFill>
-                  <a:srgbClr val="FFFF00"/>
-                </a:solidFill>
-                <a:uFill>
-                  <a:solidFill>
-                    <a:srgbClr val="FFFFFF"/>
-                  </a:solidFill>
-                </a:uFill>
-                <a:latin typeface="Lato"/>
-              </a:rPr>
-              <a:t>line-height</a:t>
-            </a:r>
-            <a:r>
-              <a:rPr lang="en-US" sz="2400" spc="-1" dirty="0">
-                <a:solidFill>
-                  <a:srgbClr val="FFFFFF"/>
-                </a:solidFill>
-                <a:uFill>
-                  <a:solidFill>
-                    <a:srgbClr val="FFFFFF"/>
-                  </a:solidFill>
-                </a:uFill>
-                <a:latin typeface="Lato"/>
-              </a:rPr>
-              <a:t> property is used to specify the space between lines.</a:t>
-            </a:r>
+              </a:solidFill>
+              <a:uFill>
+                <a:solidFill>
+                  <a:srgbClr val="FFFFFF"/>
+                </a:solidFill>
+              </a:uFill>
+              <a:latin typeface="Lato"/>
+            </a:endParaRPr>
           </a:p>
         </p:txBody>
       </p:sp>
+      <p:pic>
+        <p:nvPicPr>
+          <p:cNvPr id="5" name="Picture 4">
+            <a:extLst>
+              <a:ext uri="{FF2B5EF4-FFF2-40B4-BE49-F238E27FC236}">
+                <a16:creationId xmlns:a16="http://schemas.microsoft.com/office/drawing/2014/main" id="{06A5981E-C0DE-43E0-A256-8B6A0AA84D60}"/>
+              </a:ext>
+            </a:extLst>
+          </p:cNvPr>
+          <p:cNvPicPr>
+            <a:picLocks noChangeAspect="1"/>
+          </p:cNvPicPr>
+          <p:nvPr/>
+        </p:nvPicPr>
+        <p:blipFill>
+          <a:blip r:embed="rId2">
+            <a:extLst>
+              <a:ext uri="{28A0092B-C50C-407E-A947-70E740481C1C}">
+                <a14:useLocalDpi xmlns:a14="http://schemas.microsoft.com/office/drawing/2010/main" val="0"/>
+              </a:ext>
+            </a:extLst>
+          </a:blip>
+          <a:stretch>
+            <a:fillRect/>
+          </a:stretch>
+        </p:blipFill>
+        <p:spPr>
+          <a:xfrm>
+            <a:off x="2691895" y="2662739"/>
+            <a:ext cx="6807610" cy="2315784"/>
+          </a:xfrm>
+          <a:prstGeom prst="rect">
+            <a:avLst/>
+          </a:prstGeom>
+        </p:spPr>
+      </p:pic>
     </p:spTree>
     <p:extLst>
       <p:ext uri="{BB962C8B-B14F-4D97-AF65-F5344CB8AC3E}">
@@ -6424,7 +6711,7 @@
                 <a:latin typeface="Lato"/>
                 <a:ea typeface="DejaVu Sans"/>
               </a:rPr>
-              <a:t>CSS TEXT</a:t>
+              <a:t>JAVASCRIPT EVENTS</a:t>
             </a:r>
             <a:endParaRPr lang="en-US" sz="1800" b="0" strike="noStrike" spc="-1" dirty="0">
               <a:solidFill>
@@ -6591,67 +6878,7 @@
                 <a:latin typeface="Lato"/>
                 <a:ea typeface="DejaVu Sans"/>
               </a:rPr>
-              <a:t>The </a:t>
-            </a:r>
-            <a:r>
-              <a:rPr lang="en-US" sz="2400" b="1" strike="noStrike" spc="-1" dirty="0">
-                <a:solidFill>
-                  <a:srgbClr val="FFFF00"/>
-                </a:solidFill>
-                <a:uFill>
-                  <a:solidFill>
-                    <a:srgbClr val="FFFFFF"/>
-                  </a:solidFill>
-                </a:uFill>
-                <a:latin typeface="Lato"/>
-                <a:ea typeface="DejaVu Sans"/>
-              </a:rPr>
-              <a:t>color </a:t>
-            </a:r>
-            <a:r>
-              <a:rPr lang="en-US" sz="2400" strike="noStrike" spc="-1" dirty="0">
-                <a:solidFill>
-                  <a:schemeClr val="bg1"/>
-                </a:solidFill>
-                <a:uFill>
-                  <a:solidFill>
-                    <a:srgbClr val="FFFFFF"/>
-                  </a:solidFill>
-                </a:uFill>
-                <a:latin typeface="Lato"/>
-                <a:ea typeface="DejaVu Sans"/>
-              </a:rPr>
-              <a:t>property</a:t>
-            </a:r>
-            <a:r>
-              <a:rPr lang="en-US" sz="2400" b="1" strike="noStrike" spc="-1" dirty="0">
-                <a:solidFill>
-                  <a:srgbClr val="FFFF00"/>
-                </a:solidFill>
-                <a:uFill>
-                  <a:solidFill>
-                    <a:srgbClr val="FFFFFF"/>
-                  </a:solidFill>
-                </a:uFill>
-                <a:latin typeface="Lato"/>
-                <a:ea typeface="DejaVu Sans"/>
-              </a:rPr>
-              <a:t> </a:t>
-            </a:r>
-            <a:r>
-              <a:rPr lang="en-US" sz="2400" b="0" strike="noStrike" spc="-1" dirty="0">
-                <a:solidFill>
-                  <a:srgbClr val="FFFFFF"/>
-                </a:solidFill>
-                <a:uFill>
-                  <a:solidFill>
-                    <a:srgbClr val="FFFFFF"/>
-                  </a:solidFill>
-                </a:uFill>
-                <a:latin typeface="Lato"/>
-                <a:ea typeface="DejaVu Sans"/>
-              </a:rPr>
-              <a:t>is used to set  the color of text.</a:t>
+              <a:t>HTML events are “things” that happen to HTML elements.</a:t>
             </a:r>
           </a:p>
           <a:p>
@@ -6677,105 +6904,7 @@
                 </a:uFill>
                 <a:latin typeface="Lato"/>
               </a:rPr>
-              <a:t>The </a:t>
-            </a:r>
-            <a:r>
-              <a:rPr lang="en-US" sz="2400" b="1" spc="-1" dirty="0">
-                <a:solidFill>
-                  <a:srgbClr val="FFFF00"/>
-                </a:solidFill>
-                <a:uFill>
-                  <a:solidFill>
-                    <a:srgbClr val="FFFFFF"/>
-                  </a:solidFill>
-                </a:uFill>
-                <a:latin typeface="Lato"/>
-              </a:rPr>
-              <a:t>text-align </a:t>
-            </a:r>
-            <a:r>
-              <a:rPr lang="en-US" sz="2400" spc="-1" dirty="0">
-                <a:solidFill>
-                  <a:schemeClr val="bg1"/>
-                </a:solidFill>
-                <a:uFill>
-                  <a:solidFill>
-                    <a:srgbClr val="FFFFFF"/>
-                  </a:solidFill>
-                </a:uFill>
-                <a:latin typeface="Lato"/>
-              </a:rPr>
-              <a:t>property</a:t>
-            </a:r>
-            <a:r>
-              <a:rPr lang="en-US" sz="2400" spc="-1" dirty="0">
-                <a:solidFill>
-                  <a:srgbClr val="FFFFFF"/>
-                </a:solidFill>
-                <a:uFill>
-                  <a:solidFill>
-                    <a:srgbClr val="FFFFFF"/>
-                  </a:solidFill>
-                </a:uFill>
-                <a:latin typeface="Lato"/>
-              </a:rPr>
-              <a:t> is used to set horizontal alignment of a text : </a:t>
-            </a:r>
-            <a:r>
-              <a:rPr lang="en-US" sz="2400" b="1" spc="-1" dirty="0">
-                <a:solidFill>
-                  <a:srgbClr val="FFFF00"/>
-                </a:solidFill>
-                <a:uFill>
-                  <a:solidFill>
-                    <a:srgbClr val="FFFFFF"/>
-                  </a:solidFill>
-                </a:uFill>
-                <a:latin typeface="Lato"/>
-              </a:rPr>
-              <a:t>center, left, right </a:t>
-            </a:r>
-            <a:r>
-              <a:rPr lang="en-US" sz="2400" spc="-1" dirty="0">
-                <a:solidFill>
-                  <a:schemeClr val="bg1"/>
-                </a:solidFill>
-                <a:uFill>
-                  <a:solidFill>
-                    <a:srgbClr val="FFFFFF"/>
-                  </a:solidFill>
-                </a:uFill>
-                <a:latin typeface="Lato"/>
-              </a:rPr>
-              <a:t>or</a:t>
-            </a:r>
-            <a:r>
-              <a:rPr lang="en-US" sz="2400" b="1" spc="-1" dirty="0">
-                <a:solidFill>
-                  <a:srgbClr val="FFFF00"/>
-                </a:solidFill>
-                <a:uFill>
-                  <a:solidFill>
-                    <a:srgbClr val="FFFFFF"/>
-                  </a:solidFill>
-                </a:uFill>
-                <a:latin typeface="Lato"/>
-              </a:rPr>
-              <a:t> justified</a:t>
-            </a:r>
-            <a:r>
-              <a:rPr lang="en-US" sz="2400" spc="-1" dirty="0">
-                <a:solidFill>
-                  <a:srgbClr val="FFFFFF"/>
-                </a:solidFill>
-                <a:uFill>
-                  <a:solidFill>
-                    <a:srgbClr val="FFFFFF"/>
-                  </a:solidFill>
-                </a:uFill>
-                <a:latin typeface="Lato"/>
-              </a:rPr>
-              <a:t>.</a:t>
+              <a:t>When JavaScript is used in HTML pages, JavaScript can “react” on these events.</a:t>
             </a:r>
           </a:p>
           <a:p>
@@ -6801,21 +6930,21 @@
                 </a:uFill>
                 <a:latin typeface="Lato"/>
               </a:rPr>
-              <a:t>The </a:t>
-            </a:r>
-            <a:r>
-              <a:rPr lang="en-US" sz="2400" b="1" spc="-1" dirty="0">
-                <a:solidFill>
-                  <a:srgbClr val="FFFF00"/>
-                </a:solidFill>
-                <a:uFill>
-                  <a:solidFill>
-                    <a:srgbClr val="FFFFFF"/>
-                  </a:solidFill>
-                </a:uFill>
-                <a:latin typeface="Lato"/>
-              </a:rPr>
-              <a:t>text-decoration</a:t>
+              <a:t>There are some HTML events : </a:t>
+            </a:r>
+            <a:r>
+              <a:rPr lang="en-US" sz="2400" spc="-1" dirty="0" err="1">
+                <a:solidFill>
+                  <a:srgbClr val="FFFFFF"/>
+                </a:solidFill>
+                <a:uFill>
+                  <a:solidFill>
+                    <a:srgbClr val="FFFFFF"/>
+                  </a:solidFill>
+                </a:uFill>
+                <a:latin typeface="Lato"/>
+              </a:rPr>
+              <a:t>onchange</a:t>
             </a:r>
             <a:r>
               <a:rPr lang="en-US" sz="2400" spc="-1" dirty="0">
@@ -6829,49 +6958,49 @@
                 </a:uFill>
                 <a:latin typeface="Lato"/>
               </a:rPr>
-              <a:t> property is used to </a:t>
-            </a:r>
-            <a:r>
-              <a:rPr lang="en-US" sz="2400" b="1" spc="-1" dirty="0">
-                <a:solidFill>
-                  <a:srgbClr val="FFFF00"/>
-                </a:solidFill>
-                <a:uFill>
-                  <a:solidFill>
-                    <a:srgbClr val="FFFFFF"/>
-                  </a:solidFill>
-                </a:uFill>
-                <a:latin typeface="Lato"/>
-              </a:rPr>
-              <a:t>set </a:t>
+              <a:t>, onclick, </a:t>
+            </a:r>
+            <a:r>
+              <a:rPr lang="en-US" sz="2400" spc="-1" dirty="0" err="1">
+                <a:solidFill>
+                  <a:srgbClr val="FFFFFF"/>
+                </a:solidFill>
+                <a:uFill>
+                  <a:solidFill>
+                    <a:srgbClr val="FFFFFF"/>
+                  </a:solidFill>
+                </a:uFill>
+                <a:latin typeface="Lato"/>
+              </a:rPr>
+              <a:t>onmouseover</a:t>
             </a:r>
             <a:r>
               <a:rPr lang="en-US" sz="2400" spc="-1" dirty="0">
                 <a:solidFill>
-                  <a:schemeClr val="bg1"/>
-                </a:solidFill>
-                <a:uFill>
-                  <a:solidFill>
-                    <a:srgbClr val="FFFFFF"/>
-                  </a:solidFill>
-                </a:uFill>
-                <a:latin typeface="Lato"/>
-              </a:rPr>
-              <a:t>or</a:t>
-            </a:r>
-            <a:r>
-              <a:rPr lang="en-US" sz="2400" b="1" spc="-1" dirty="0">
-                <a:solidFill>
-                  <a:srgbClr val="FFFF00"/>
-                </a:solidFill>
-                <a:uFill>
-                  <a:solidFill>
-                    <a:srgbClr val="FFFFFF"/>
-                  </a:solidFill>
-                </a:uFill>
-                <a:latin typeface="Lato"/>
-              </a:rPr>
-              <a:t> remove decorations</a:t>
+                  <a:srgbClr val="FFFFFF"/>
+                </a:solidFill>
+                <a:uFill>
+                  <a:solidFill>
+                    <a:srgbClr val="FFFFFF"/>
+                  </a:solidFill>
+                </a:uFill>
+                <a:latin typeface="Lato"/>
+              </a:rPr>
+              <a:t>, </a:t>
+            </a:r>
+            <a:r>
+              <a:rPr lang="en-US" sz="2400" spc="-1" dirty="0" err="1">
+                <a:solidFill>
+                  <a:srgbClr val="FFFFFF"/>
+                </a:solidFill>
+                <a:uFill>
+                  <a:solidFill>
+                    <a:srgbClr val="FFFFFF"/>
+                  </a:solidFill>
+                </a:uFill>
+                <a:latin typeface="Lato"/>
+              </a:rPr>
+              <a:t>onmouseout</a:t>
             </a:r>
             <a:r>
               <a:rPr lang="en-US" sz="2400" spc="-1" dirty="0">
@@ -6885,7 +7014,35 @@
                 </a:uFill>
                 <a:latin typeface="Lato"/>
               </a:rPr>
-              <a:t> from text.</a:t>
+              <a:t>, </a:t>
+            </a:r>
+            <a:r>
+              <a:rPr lang="en-US" sz="2400" spc="-1" dirty="0" err="1">
+                <a:solidFill>
+                  <a:srgbClr val="FFFFFF"/>
+                </a:solidFill>
+                <a:uFill>
+                  <a:solidFill>
+                    <a:srgbClr val="FFFFFF"/>
+                  </a:solidFill>
+                </a:uFill>
+                <a:latin typeface="Lato"/>
+              </a:rPr>
+              <a:t>onkeydown</a:t>
+            </a:r>
+            <a:r>
+              <a:rPr lang="en-US" sz="2400" spc="-1" dirty="0">
+                <a:solidFill>
+                  <a:srgbClr val="FFFFFF"/>
+                </a:solidFill>
+                <a:uFill>
+                  <a:solidFill>
+                    <a:srgbClr val="FFFFFF"/>
+                  </a:solidFill>
+                </a:uFill>
+                <a:latin typeface="Lato"/>
+              </a:rPr>
+              <a:t>, onload.</a:t>
             </a:r>
           </a:p>
           <a:p>
@@ -6911,119 +7068,7 @@
                 </a:uFill>
                 <a:latin typeface="Lato"/>
               </a:rPr>
-              <a:t>The </a:t>
-            </a:r>
-            <a:r>
-              <a:rPr lang="en-US" sz="2400" b="1" spc="-1" dirty="0">
-                <a:solidFill>
-                  <a:srgbClr val="FFFF00"/>
-                </a:solidFill>
-                <a:uFill>
-                  <a:solidFill>
-                    <a:srgbClr val="FFFFFF"/>
-                  </a:solidFill>
-                </a:uFill>
-                <a:latin typeface="Lato"/>
-              </a:rPr>
-              <a:t>text-transform</a:t>
-            </a:r>
-            <a:r>
-              <a:rPr lang="en-US" sz="2400" spc="-1" dirty="0">
-                <a:solidFill>
-                  <a:srgbClr val="FFFFFF"/>
-                </a:solidFill>
-                <a:uFill>
-                  <a:solidFill>
-                    <a:srgbClr val="FFFFFF"/>
-                  </a:solidFill>
-                </a:uFill>
-                <a:latin typeface="Lato"/>
-              </a:rPr>
-              <a:t> property is used to specify </a:t>
-            </a:r>
-            <a:r>
-              <a:rPr lang="en-US" sz="2400" b="1" spc="-1" dirty="0">
-                <a:solidFill>
-                  <a:srgbClr val="FFFF00"/>
-                </a:solidFill>
-                <a:uFill>
-                  <a:solidFill>
-                    <a:srgbClr val="FFFFFF"/>
-                  </a:solidFill>
-                </a:uFill>
-                <a:latin typeface="Lato"/>
-              </a:rPr>
-              <a:t>uppercase </a:t>
-            </a:r>
-            <a:r>
-              <a:rPr lang="en-US" sz="2400" spc="-1" dirty="0">
-                <a:solidFill>
-                  <a:schemeClr val="bg1"/>
-                </a:solidFill>
-                <a:uFill>
-                  <a:solidFill>
-                    <a:srgbClr val="FFFFFF"/>
-                  </a:solidFill>
-                </a:uFill>
-                <a:latin typeface="Lato"/>
-              </a:rPr>
-              <a:t>or</a:t>
-            </a:r>
-            <a:r>
-              <a:rPr lang="en-US" sz="2400" b="1" spc="-1" dirty="0">
-                <a:solidFill>
-                  <a:srgbClr val="FFFF00"/>
-                </a:solidFill>
-                <a:uFill>
-                  <a:solidFill>
-                    <a:srgbClr val="FFFFFF"/>
-                  </a:solidFill>
-                </a:uFill>
-                <a:latin typeface="Lato"/>
-              </a:rPr>
-              <a:t> lowercase</a:t>
-            </a:r>
-            <a:r>
-              <a:rPr lang="en-US" sz="2400" spc="-1" dirty="0">
-                <a:solidFill>
-                  <a:srgbClr val="FFFFFF"/>
-                </a:solidFill>
-                <a:uFill>
-                  <a:solidFill>
-                    <a:srgbClr val="FFFFFF"/>
-                  </a:solidFill>
-                </a:uFill>
-                <a:latin typeface="Lato"/>
-              </a:rPr>
-              <a:t> letters in the text, or </a:t>
-            </a:r>
-            <a:r>
-              <a:rPr lang="en-US" sz="2400" b="1" spc="-1" dirty="0">
-                <a:solidFill>
-                  <a:srgbClr val="FFFF00"/>
-                </a:solidFill>
-                <a:uFill>
-                  <a:solidFill>
-                    <a:srgbClr val="FFFFFF"/>
-                  </a:solidFill>
-                </a:uFill>
-                <a:latin typeface="Lato"/>
-              </a:rPr>
-              <a:t>capitalize</a:t>
-            </a:r>
-            <a:r>
-              <a:rPr lang="en-US" sz="2400" spc="-1" dirty="0">
-                <a:solidFill>
-                  <a:srgbClr val="FFFFFF"/>
-                </a:solidFill>
-                <a:uFill>
-                  <a:solidFill>
-                    <a:srgbClr val="FFFFFF"/>
-                  </a:solidFill>
-                </a:uFill>
-                <a:latin typeface="Lato"/>
-              </a:rPr>
-              <a:t> the first of each word.</a:t>
+              <a:t>Event handlers can be used to handle, and verify, user input, user actions and browser actions.</a:t>
             </a:r>
           </a:p>
           <a:p>
@@ -7049,36 +7094,33 @@
                 </a:uFill>
                 <a:latin typeface="Lato"/>
               </a:rPr>
-              <a:t>The </a:t>
-            </a:r>
-            <a:r>
-              <a:rPr lang="en-US" sz="2400" b="1" spc="-1" dirty="0">
-                <a:solidFill>
-                  <a:srgbClr val="FFFF00"/>
-                </a:solidFill>
-                <a:uFill>
-                  <a:solidFill>
-                    <a:srgbClr val="FFFFFF"/>
-                  </a:solidFill>
-                </a:uFill>
-                <a:latin typeface="Lato"/>
-              </a:rPr>
-              <a:t>line-height</a:t>
-            </a:r>
-            <a:r>
-              <a:rPr lang="en-US" sz="2400" spc="-1" dirty="0">
-                <a:solidFill>
-                  <a:srgbClr val="FFFFFF"/>
-                </a:solidFill>
-                <a:uFill>
-                  <a:solidFill>
-                    <a:srgbClr val="FFFFFF"/>
-                  </a:solidFill>
-                </a:uFill>
-                <a:latin typeface="Lato"/>
-              </a:rPr>
-              <a:t> property is used to specify the space between lines.</a:t>
-            </a:r>
+              <a:t>Many different methods can be used to </a:t>
+            </a:r>
+            <a:r>
+              <a:rPr lang="en-US" sz="2400" spc="-1">
+                <a:solidFill>
+                  <a:srgbClr val="FFFFFF"/>
+                </a:solidFill>
+                <a:uFill>
+                  <a:solidFill>
+                    <a:srgbClr val="FFFFFF"/>
+                  </a:solidFill>
+                </a:uFill>
+                <a:latin typeface="Lato"/>
+              </a:rPr>
+              <a:t>let JavaScript with events.</a:t>
+            </a:r>
+            <a:endParaRPr lang="en-US" sz="2400" spc="-1" dirty="0">
+              <a:solidFill>
+                <a:srgbClr val="FFFFFF"/>
+              </a:solidFill>
+              <a:uFill>
+                <a:solidFill>
+                  <a:srgbClr val="FFFFFF"/>
+                </a:solidFill>
+              </a:uFill>
+              <a:latin typeface="Lato"/>
+            </a:endParaRPr>
           </a:p>
         </p:txBody>
       </p:sp>
